--- a/doc/KillingTimeReport_V2.pptx
+++ b/doc/KillingTimeReport_V2.pptx
@@ -2423,6 +2423,753 @@
 </file>
 
 <file path=ppt/diagrams/colors4.xml><?xml version="1.0" encoding="utf-8"?>
+<dgm:colorsDef xmlns:dgm="http://schemas.openxmlformats.org/drawingml/2006/diagram" xmlns:a="http://schemas.openxmlformats.org/drawingml/2006/main" uniqueId="urn:microsoft.com/office/officeart/2005/8/colors/accent4_2">
+  <dgm:title val=""/>
+  <dgm:desc val=""/>
+  <dgm:catLst>
+    <dgm:cat type="accent4" pri="11200"/>
+  </dgm:catLst>
+  <dgm:styleLbl name="node0">
+    <dgm:fillClrLst meth="repeat">
+      <a:schemeClr val="accent4"/>
+    </dgm:fillClrLst>
+    <dgm:linClrLst meth="repeat">
+      <a:schemeClr val="lt1"/>
+    </dgm:linClrLst>
+    <dgm:effectClrLst/>
+    <dgm:txLinClrLst/>
+    <dgm:txFillClrLst/>
+    <dgm:txEffectClrLst/>
+  </dgm:styleLbl>
+  <dgm:styleLbl name="node1">
+    <dgm:fillClrLst meth="repeat">
+      <a:schemeClr val="accent4"/>
+    </dgm:fillClrLst>
+    <dgm:linClrLst meth="repeat">
+      <a:schemeClr val="lt1"/>
+    </dgm:linClrLst>
+    <dgm:effectClrLst/>
+    <dgm:txLinClrLst/>
+    <dgm:txFillClrLst/>
+    <dgm:txEffectClrLst/>
+  </dgm:styleLbl>
+  <dgm:styleLbl name="alignNode1">
+    <dgm:fillClrLst meth="repeat">
+      <a:schemeClr val="accent4"/>
+    </dgm:fillClrLst>
+    <dgm:linClrLst meth="repeat">
+      <a:schemeClr val="accent4"/>
+    </dgm:linClrLst>
+    <dgm:effectClrLst/>
+    <dgm:txLinClrLst/>
+    <dgm:txFillClrLst/>
+    <dgm:txEffectClrLst/>
+  </dgm:styleLbl>
+  <dgm:styleLbl name="lnNode1">
+    <dgm:fillClrLst meth="repeat">
+      <a:schemeClr val="accent4"/>
+    </dgm:fillClrLst>
+    <dgm:linClrLst meth="repeat">
+      <a:schemeClr val="lt1"/>
+    </dgm:linClrLst>
+    <dgm:effectClrLst/>
+    <dgm:txLinClrLst/>
+    <dgm:txFillClrLst/>
+    <dgm:txEffectClrLst/>
+  </dgm:styleLbl>
+  <dgm:styleLbl name="vennNode1">
+    <dgm:fillClrLst meth="repeat">
+      <a:schemeClr val="accent4">
+        <a:alpha val="50000"/>
+      </a:schemeClr>
+    </dgm:fillClrLst>
+    <dgm:linClrLst meth="repeat">
+      <a:schemeClr val="lt1"/>
+    </dgm:linClrLst>
+    <dgm:effectClrLst/>
+    <dgm:txLinClrLst/>
+    <dgm:txFillClrLst/>
+    <dgm:txEffectClrLst/>
+  </dgm:styleLbl>
+  <dgm:styleLbl name="node2">
+    <dgm:fillClrLst meth="repeat">
+      <a:schemeClr val="accent4"/>
+    </dgm:fillClrLst>
+    <dgm:linClrLst meth="repeat">
+      <a:schemeClr val="lt1"/>
+    </dgm:linClrLst>
+    <dgm:effectClrLst/>
+    <dgm:txLinClrLst/>
+    <dgm:txFillClrLst/>
+    <dgm:txEffectClrLst/>
+  </dgm:styleLbl>
+  <dgm:styleLbl name="node3">
+    <dgm:fillClrLst meth="repeat">
+      <a:schemeClr val="accent4"/>
+    </dgm:fillClrLst>
+    <dgm:linClrLst meth="repeat">
+      <a:schemeClr val="lt1"/>
+    </dgm:linClrLst>
+    <dgm:effectClrLst/>
+    <dgm:txLinClrLst/>
+    <dgm:txFillClrLst/>
+    <dgm:txEffectClrLst/>
+  </dgm:styleLbl>
+  <dgm:styleLbl name="node4">
+    <dgm:fillClrLst meth="repeat">
+      <a:schemeClr val="accent4"/>
+    </dgm:fillClrLst>
+    <dgm:linClrLst meth="repeat">
+      <a:schemeClr val="lt1"/>
+    </dgm:linClrLst>
+    <dgm:effectClrLst/>
+    <dgm:txLinClrLst/>
+    <dgm:txFillClrLst/>
+    <dgm:txEffectClrLst/>
+  </dgm:styleLbl>
+  <dgm:styleLbl name="fgImgPlace1">
+    <dgm:fillClrLst meth="repeat">
+      <a:schemeClr val="accent4">
+        <a:tint val="50000"/>
+      </a:schemeClr>
+    </dgm:fillClrLst>
+    <dgm:linClrLst meth="repeat">
+      <a:schemeClr val="lt1"/>
+    </dgm:linClrLst>
+    <dgm:effectClrLst/>
+    <dgm:txLinClrLst/>
+    <dgm:txFillClrLst meth="repeat">
+      <a:schemeClr val="lt1"/>
+    </dgm:txFillClrLst>
+    <dgm:txEffectClrLst/>
+  </dgm:styleLbl>
+  <dgm:styleLbl name="alignImgPlace1">
+    <dgm:fillClrLst meth="repeat">
+      <a:schemeClr val="accent4">
+        <a:tint val="50000"/>
+      </a:schemeClr>
+    </dgm:fillClrLst>
+    <dgm:linClrLst meth="repeat">
+      <a:schemeClr val="lt1"/>
+    </dgm:linClrLst>
+    <dgm:effectClrLst/>
+    <dgm:txLinClrLst/>
+    <dgm:txFillClrLst meth="repeat">
+      <a:schemeClr val="lt1"/>
+    </dgm:txFillClrLst>
+    <dgm:txEffectClrLst/>
+  </dgm:styleLbl>
+  <dgm:styleLbl name="bgImgPlace1">
+    <dgm:fillClrLst meth="repeat">
+      <a:schemeClr val="accent4">
+        <a:tint val="50000"/>
+      </a:schemeClr>
+    </dgm:fillClrLst>
+    <dgm:linClrLst meth="repeat">
+      <a:schemeClr val="lt1"/>
+    </dgm:linClrLst>
+    <dgm:effectClrLst/>
+    <dgm:txLinClrLst/>
+    <dgm:txFillClrLst meth="repeat">
+      <a:schemeClr val="lt1"/>
+    </dgm:txFillClrLst>
+    <dgm:txEffectClrLst/>
+  </dgm:styleLbl>
+  <dgm:styleLbl name="sibTrans2D1">
+    <dgm:fillClrLst meth="repeat">
+      <a:schemeClr val="accent4">
+        <a:tint val="60000"/>
+      </a:schemeClr>
+    </dgm:fillClrLst>
+    <dgm:linClrLst meth="repeat">
+      <a:schemeClr val="accent4">
+        <a:tint val="60000"/>
+      </a:schemeClr>
+    </dgm:linClrLst>
+    <dgm:effectClrLst/>
+    <dgm:txLinClrLst/>
+    <dgm:txFillClrLst/>
+    <dgm:txEffectClrLst/>
+  </dgm:styleLbl>
+  <dgm:styleLbl name="fgSibTrans2D1">
+    <dgm:fillClrLst meth="repeat">
+      <a:schemeClr val="accent4">
+        <a:tint val="60000"/>
+      </a:schemeClr>
+    </dgm:fillClrLst>
+    <dgm:linClrLst meth="repeat">
+      <a:schemeClr val="accent4">
+        <a:tint val="60000"/>
+      </a:schemeClr>
+    </dgm:linClrLst>
+    <dgm:effectClrLst/>
+    <dgm:txLinClrLst/>
+    <dgm:txFillClrLst/>
+    <dgm:txEffectClrLst/>
+  </dgm:styleLbl>
+  <dgm:styleLbl name="bgSibTrans2D1">
+    <dgm:fillClrLst meth="repeat">
+      <a:schemeClr val="accent4">
+        <a:tint val="60000"/>
+      </a:schemeClr>
+    </dgm:fillClrLst>
+    <dgm:linClrLst meth="repeat">
+      <a:schemeClr val="accent4">
+        <a:tint val="60000"/>
+      </a:schemeClr>
+    </dgm:linClrLst>
+    <dgm:effectClrLst/>
+    <dgm:txLinClrLst/>
+    <dgm:txFillClrLst/>
+    <dgm:txEffectClrLst/>
+  </dgm:styleLbl>
+  <dgm:styleLbl name="sibTrans1D1">
+    <dgm:fillClrLst meth="repeat">
+      <a:schemeClr val="accent4"/>
+    </dgm:fillClrLst>
+    <dgm:linClrLst meth="repeat">
+      <a:schemeClr val="accent4"/>
+    </dgm:linClrLst>
+    <dgm:effectClrLst/>
+    <dgm:txLinClrLst/>
+    <dgm:txFillClrLst meth="repeat">
+      <a:schemeClr val="tx1"/>
+    </dgm:txFillClrLst>
+    <dgm:txEffectClrLst/>
+  </dgm:styleLbl>
+  <dgm:styleLbl name="callout">
+    <dgm:fillClrLst meth="repeat">
+      <a:schemeClr val="accent4"/>
+    </dgm:fillClrLst>
+    <dgm:linClrLst meth="repeat">
+      <a:schemeClr val="accent4">
+        <a:tint val="50000"/>
+      </a:schemeClr>
+    </dgm:linClrLst>
+    <dgm:effectClrLst/>
+    <dgm:txLinClrLst/>
+    <dgm:txFillClrLst meth="repeat">
+      <a:schemeClr val="tx1"/>
+    </dgm:txFillClrLst>
+    <dgm:txEffectClrLst/>
+  </dgm:styleLbl>
+  <dgm:styleLbl name="asst0">
+    <dgm:fillClrLst meth="repeat">
+      <a:schemeClr val="accent4"/>
+    </dgm:fillClrLst>
+    <dgm:linClrLst meth="repeat">
+      <a:schemeClr val="lt1"/>
+    </dgm:linClrLst>
+    <dgm:effectClrLst/>
+    <dgm:txLinClrLst/>
+    <dgm:txFillClrLst/>
+    <dgm:txEffectClrLst/>
+  </dgm:styleLbl>
+  <dgm:styleLbl name="asst1">
+    <dgm:fillClrLst meth="repeat">
+      <a:schemeClr val="accent4"/>
+    </dgm:fillClrLst>
+    <dgm:linClrLst meth="repeat">
+      <a:schemeClr val="lt1"/>
+    </dgm:linClrLst>
+    <dgm:effectClrLst/>
+    <dgm:txLinClrLst/>
+    <dgm:txFillClrLst/>
+    <dgm:txEffectClrLst/>
+  </dgm:styleLbl>
+  <dgm:styleLbl name="asst2">
+    <dgm:fillClrLst meth="repeat">
+      <a:schemeClr val="accent4"/>
+    </dgm:fillClrLst>
+    <dgm:linClrLst meth="repeat">
+      <a:schemeClr val="lt1"/>
+    </dgm:linClrLst>
+    <dgm:effectClrLst/>
+    <dgm:txLinClrLst/>
+    <dgm:txFillClrLst/>
+    <dgm:txEffectClrLst/>
+  </dgm:styleLbl>
+  <dgm:styleLbl name="asst3">
+    <dgm:fillClrLst meth="repeat">
+      <a:schemeClr val="accent4"/>
+    </dgm:fillClrLst>
+    <dgm:linClrLst meth="repeat">
+      <a:schemeClr val="lt1"/>
+    </dgm:linClrLst>
+    <dgm:effectClrLst/>
+    <dgm:txLinClrLst/>
+    <dgm:txFillClrLst/>
+    <dgm:txEffectClrLst/>
+  </dgm:styleLbl>
+  <dgm:styleLbl name="asst4">
+    <dgm:fillClrLst meth="repeat">
+      <a:schemeClr val="accent4"/>
+    </dgm:fillClrLst>
+    <dgm:linClrLst meth="repeat">
+      <a:schemeClr val="lt1"/>
+    </dgm:linClrLst>
+    <dgm:effectClrLst/>
+    <dgm:txLinClrLst/>
+    <dgm:txFillClrLst/>
+    <dgm:txEffectClrLst/>
+  </dgm:styleLbl>
+  <dgm:styleLbl name="parChTrans2D1">
+    <dgm:fillClrLst meth="repeat">
+      <a:schemeClr val="accent4">
+        <a:tint val="60000"/>
+      </a:schemeClr>
+    </dgm:fillClrLst>
+    <dgm:linClrLst meth="repeat">
+      <a:schemeClr val="accent4">
+        <a:tint val="60000"/>
+      </a:schemeClr>
+    </dgm:linClrLst>
+    <dgm:effectClrLst/>
+    <dgm:txLinClrLst/>
+    <dgm:txFillClrLst meth="repeat">
+      <a:schemeClr val="lt1"/>
+    </dgm:txFillClrLst>
+    <dgm:txEffectClrLst/>
+  </dgm:styleLbl>
+  <dgm:styleLbl name="parChTrans2D2">
+    <dgm:fillClrLst meth="repeat">
+      <a:schemeClr val="accent4"/>
+    </dgm:fillClrLst>
+    <dgm:linClrLst meth="repeat">
+      <a:schemeClr val="accent4"/>
+    </dgm:linClrLst>
+    <dgm:effectClrLst/>
+    <dgm:txLinClrLst/>
+    <dgm:txFillClrLst meth="repeat">
+      <a:schemeClr val="lt1"/>
+    </dgm:txFillClrLst>
+    <dgm:txEffectClrLst/>
+  </dgm:styleLbl>
+  <dgm:styleLbl name="parChTrans2D3">
+    <dgm:fillClrLst meth="repeat">
+      <a:schemeClr val="accent4"/>
+    </dgm:fillClrLst>
+    <dgm:linClrLst meth="repeat">
+      <a:schemeClr val="accent4"/>
+    </dgm:linClrLst>
+    <dgm:effectClrLst/>
+    <dgm:txLinClrLst/>
+    <dgm:txFillClrLst meth="repeat">
+      <a:schemeClr val="lt1"/>
+    </dgm:txFillClrLst>
+    <dgm:txEffectClrLst/>
+  </dgm:styleLbl>
+  <dgm:styleLbl name="parChTrans2D4">
+    <dgm:fillClrLst meth="repeat">
+      <a:schemeClr val="accent4"/>
+    </dgm:fillClrLst>
+    <dgm:linClrLst meth="repeat">
+      <a:schemeClr val="accent4"/>
+    </dgm:linClrLst>
+    <dgm:effectClrLst/>
+    <dgm:txLinClrLst/>
+    <dgm:txFillClrLst meth="repeat">
+      <a:schemeClr val="lt1"/>
+    </dgm:txFillClrLst>
+    <dgm:txEffectClrLst/>
+  </dgm:styleLbl>
+  <dgm:styleLbl name="parChTrans1D1">
+    <dgm:fillClrLst meth="repeat">
+      <a:schemeClr val="accent4"/>
+    </dgm:fillClrLst>
+    <dgm:linClrLst meth="repeat">
+      <a:schemeClr val="accent4">
+        <a:shade val="60000"/>
+      </a:schemeClr>
+    </dgm:linClrLst>
+    <dgm:effectClrLst/>
+    <dgm:txLinClrLst/>
+    <dgm:txFillClrLst meth="repeat">
+      <a:schemeClr val="tx1"/>
+    </dgm:txFillClrLst>
+    <dgm:txEffectClrLst/>
+  </dgm:styleLbl>
+  <dgm:styleLbl name="parChTrans1D2">
+    <dgm:fillClrLst meth="repeat">
+      <a:schemeClr val="accent4"/>
+    </dgm:fillClrLst>
+    <dgm:linClrLst meth="repeat">
+      <a:schemeClr val="accent4">
+        <a:shade val="60000"/>
+      </a:schemeClr>
+    </dgm:linClrLst>
+    <dgm:effectClrLst/>
+    <dgm:txLinClrLst/>
+    <dgm:txFillClrLst meth="repeat">
+      <a:schemeClr val="tx1"/>
+    </dgm:txFillClrLst>
+    <dgm:txEffectClrLst/>
+  </dgm:styleLbl>
+  <dgm:styleLbl name="parChTrans1D3">
+    <dgm:fillClrLst meth="repeat">
+      <a:schemeClr val="accent4"/>
+    </dgm:fillClrLst>
+    <dgm:linClrLst meth="repeat">
+      <a:schemeClr val="accent4">
+        <a:shade val="80000"/>
+      </a:schemeClr>
+    </dgm:linClrLst>
+    <dgm:effectClrLst/>
+    <dgm:txLinClrLst/>
+    <dgm:txFillClrLst meth="repeat">
+      <a:schemeClr val="tx1"/>
+    </dgm:txFillClrLst>
+    <dgm:txEffectClrLst/>
+  </dgm:styleLbl>
+  <dgm:styleLbl name="parChTrans1D4">
+    <dgm:fillClrLst meth="repeat">
+      <a:schemeClr val="accent4"/>
+    </dgm:fillClrLst>
+    <dgm:linClrLst meth="repeat">
+      <a:schemeClr val="accent4">
+        <a:shade val="80000"/>
+      </a:schemeClr>
+    </dgm:linClrLst>
+    <dgm:effectClrLst/>
+    <dgm:txLinClrLst/>
+    <dgm:txFillClrLst meth="repeat">
+      <a:schemeClr val="tx1"/>
+    </dgm:txFillClrLst>
+    <dgm:txEffectClrLst/>
+  </dgm:styleLbl>
+  <dgm:styleLbl name="fgAcc1">
+    <dgm:fillClrLst meth="repeat">
+      <a:schemeClr val="lt1">
+        <a:alpha val="90000"/>
+      </a:schemeClr>
+    </dgm:fillClrLst>
+    <dgm:linClrLst meth="repeat">
+      <a:schemeClr val="accent4"/>
+    </dgm:linClrLst>
+    <dgm:effectClrLst/>
+    <dgm:txLinClrLst/>
+    <dgm:txFillClrLst meth="repeat">
+      <a:schemeClr val="dk1"/>
+    </dgm:txFillClrLst>
+    <dgm:txEffectClrLst/>
+  </dgm:styleLbl>
+  <dgm:styleLbl name="conFgAcc1">
+    <dgm:fillClrLst meth="repeat">
+      <a:schemeClr val="lt1">
+        <a:alpha val="90000"/>
+      </a:schemeClr>
+    </dgm:fillClrLst>
+    <dgm:linClrLst meth="repeat">
+      <a:schemeClr val="accent4"/>
+    </dgm:linClrLst>
+    <dgm:effectClrLst/>
+    <dgm:txLinClrLst/>
+    <dgm:txFillClrLst meth="repeat">
+      <a:schemeClr val="dk1"/>
+    </dgm:txFillClrLst>
+    <dgm:txEffectClrLst/>
+  </dgm:styleLbl>
+  <dgm:styleLbl name="alignAcc1">
+    <dgm:fillClrLst meth="repeat">
+      <a:schemeClr val="lt1">
+        <a:alpha val="90000"/>
+      </a:schemeClr>
+    </dgm:fillClrLst>
+    <dgm:linClrLst meth="repeat">
+      <a:schemeClr val="accent4"/>
+    </dgm:linClrLst>
+    <dgm:effectClrLst/>
+    <dgm:txLinClrLst/>
+    <dgm:txFillClrLst meth="repeat">
+      <a:schemeClr val="dk1"/>
+    </dgm:txFillClrLst>
+    <dgm:txEffectClrLst/>
+  </dgm:styleLbl>
+  <dgm:styleLbl name="trAlignAcc1">
+    <dgm:fillClrLst meth="repeat">
+      <a:schemeClr val="lt1">
+        <a:alpha val="40000"/>
+      </a:schemeClr>
+    </dgm:fillClrLst>
+    <dgm:linClrLst meth="repeat">
+      <a:schemeClr val="accent4"/>
+    </dgm:linClrLst>
+    <dgm:effectClrLst/>
+    <dgm:txLinClrLst/>
+    <dgm:txFillClrLst meth="repeat">
+      <a:schemeClr val="dk1"/>
+    </dgm:txFillClrLst>
+    <dgm:txEffectClrLst/>
+  </dgm:styleLbl>
+  <dgm:styleLbl name="bgAcc1">
+    <dgm:fillClrLst meth="repeat">
+      <a:schemeClr val="lt1">
+        <a:alpha val="90000"/>
+      </a:schemeClr>
+    </dgm:fillClrLst>
+    <dgm:linClrLst meth="repeat">
+      <a:schemeClr val="accent4"/>
+    </dgm:linClrLst>
+    <dgm:effectClrLst/>
+    <dgm:txLinClrLst/>
+    <dgm:txFillClrLst meth="repeat">
+      <a:schemeClr val="dk1"/>
+    </dgm:txFillClrLst>
+    <dgm:txEffectClrLst/>
+  </dgm:styleLbl>
+  <dgm:styleLbl name="solidFgAcc1">
+    <dgm:fillClrLst meth="repeat">
+      <a:schemeClr val="lt1"/>
+    </dgm:fillClrLst>
+    <dgm:linClrLst meth="repeat">
+      <a:schemeClr val="accent4"/>
+    </dgm:linClrLst>
+    <dgm:effectClrLst/>
+    <dgm:txLinClrLst/>
+    <dgm:txFillClrLst meth="repeat">
+      <a:schemeClr val="dk1"/>
+    </dgm:txFillClrLst>
+    <dgm:txEffectClrLst/>
+  </dgm:styleLbl>
+  <dgm:styleLbl name="solidAlignAcc1">
+    <dgm:fillClrLst meth="repeat">
+      <a:schemeClr val="lt1"/>
+    </dgm:fillClrLst>
+    <dgm:linClrLst meth="repeat">
+      <a:schemeClr val="accent4"/>
+    </dgm:linClrLst>
+    <dgm:effectClrLst/>
+    <dgm:txLinClrLst/>
+    <dgm:txFillClrLst meth="repeat">
+      <a:schemeClr val="dk1"/>
+    </dgm:txFillClrLst>
+    <dgm:txEffectClrLst/>
+  </dgm:styleLbl>
+  <dgm:styleLbl name="solidBgAcc1">
+    <dgm:fillClrLst meth="repeat">
+      <a:schemeClr val="lt1"/>
+    </dgm:fillClrLst>
+    <dgm:linClrLst meth="repeat">
+      <a:schemeClr val="accent4"/>
+    </dgm:linClrLst>
+    <dgm:effectClrLst/>
+    <dgm:txLinClrLst/>
+    <dgm:txFillClrLst meth="repeat">
+      <a:schemeClr val="dk1"/>
+    </dgm:txFillClrLst>
+    <dgm:txEffectClrLst/>
+  </dgm:styleLbl>
+  <dgm:styleLbl name="fgAccFollowNode1">
+    <dgm:fillClrLst meth="repeat">
+      <a:schemeClr val="accent4">
+        <a:alpha val="90000"/>
+        <a:tint val="40000"/>
+      </a:schemeClr>
+    </dgm:fillClrLst>
+    <dgm:linClrLst meth="repeat">
+      <a:schemeClr val="accent4">
+        <a:alpha val="90000"/>
+        <a:tint val="40000"/>
+      </a:schemeClr>
+    </dgm:linClrLst>
+    <dgm:effectClrLst/>
+    <dgm:txLinClrLst/>
+    <dgm:txFillClrLst meth="repeat">
+      <a:schemeClr val="dk1"/>
+    </dgm:txFillClrLst>
+    <dgm:txEffectClrLst/>
+  </dgm:styleLbl>
+  <dgm:styleLbl name="alignAccFollowNode1">
+    <dgm:fillClrLst meth="repeat">
+      <a:schemeClr val="accent4">
+        <a:alpha val="90000"/>
+        <a:tint val="40000"/>
+      </a:schemeClr>
+    </dgm:fillClrLst>
+    <dgm:linClrLst meth="repeat">
+      <a:schemeClr val="accent4">
+        <a:alpha val="90000"/>
+        <a:tint val="40000"/>
+      </a:schemeClr>
+    </dgm:linClrLst>
+    <dgm:effectClrLst/>
+    <dgm:txLinClrLst/>
+    <dgm:txFillClrLst meth="repeat">
+      <a:schemeClr val="dk1"/>
+    </dgm:txFillClrLst>
+    <dgm:txEffectClrLst/>
+  </dgm:styleLbl>
+  <dgm:styleLbl name="bgAccFollowNode1">
+    <dgm:fillClrLst meth="repeat">
+      <a:schemeClr val="accent4">
+        <a:alpha val="90000"/>
+        <a:tint val="40000"/>
+      </a:schemeClr>
+    </dgm:fillClrLst>
+    <dgm:linClrLst meth="repeat">
+      <a:schemeClr val="accent4">
+        <a:alpha val="90000"/>
+        <a:tint val="40000"/>
+      </a:schemeClr>
+    </dgm:linClrLst>
+    <dgm:effectClrLst/>
+    <dgm:txLinClrLst/>
+    <dgm:txFillClrLst meth="repeat">
+      <a:schemeClr val="dk1"/>
+    </dgm:txFillClrLst>
+    <dgm:txEffectClrLst/>
+  </dgm:styleLbl>
+  <dgm:styleLbl name="fgAcc0">
+    <dgm:fillClrLst meth="repeat">
+      <a:schemeClr val="lt1">
+        <a:alpha val="90000"/>
+      </a:schemeClr>
+    </dgm:fillClrLst>
+    <dgm:linClrLst meth="repeat">
+      <a:schemeClr val="accent4"/>
+    </dgm:linClrLst>
+    <dgm:effectClrLst/>
+    <dgm:txLinClrLst/>
+    <dgm:txFillClrLst meth="repeat">
+      <a:schemeClr val="dk1"/>
+    </dgm:txFillClrLst>
+    <dgm:txEffectClrLst/>
+  </dgm:styleLbl>
+  <dgm:styleLbl name="fgAcc2">
+    <dgm:fillClrLst meth="repeat">
+      <a:schemeClr val="lt1">
+        <a:alpha val="90000"/>
+      </a:schemeClr>
+    </dgm:fillClrLst>
+    <dgm:linClrLst meth="repeat">
+      <a:schemeClr val="accent4"/>
+    </dgm:linClrLst>
+    <dgm:effectClrLst/>
+    <dgm:txLinClrLst/>
+    <dgm:txFillClrLst meth="repeat">
+      <a:schemeClr val="dk1"/>
+    </dgm:txFillClrLst>
+    <dgm:txEffectClrLst/>
+  </dgm:styleLbl>
+  <dgm:styleLbl name="fgAcc3">
+    <dgm:fillClrLst meth="repeat">
+      <a:schemeClr val="lt1">
+        <a:alpha val="90000"/>
+      </a:schemeClr>
+    </dgm:fillClrLst>
+    <dgm:linClrLst meth="repeat">
+      <a:schemeClr val="accent4"/>
+    </dgm:linClrLst>
+    <dgm:effectClrLst/>
+    <dgm:txLinClrLst/>
+    <dgm:txFillClrLst meth="repeat">
+      <a:schemeClr val="dk1"/>
+    </dgm:txFillClrLst>
+    <dgm:txEffectClrLst/>
+  </dgm:styleLbl>
+  <dgm:styleLbl name="fgAcc4">
+    <dgm:fillClrLst meth="repeat">
+      <a:schemeClr val="lt1">
+        <a:alpha val="90000"/>
+      </a:schemeClr>
+    </dgm:fillClrLst>
+    <dgm:linClrLst meth="repeat">
+      <a:schemeClr val="accent4"/>
+    </dgm:linClrLst>
+    <dgm:effectClrLst/>
+    <dgm:txLinClrLst/>
+    <dgm:txFillClrLst meth="repeat">
+      <a:schemeClr val="dk1"/>
+    </dgm:txFillClrLst>
+    <dgm:txEffectClrLst/>
+  </dgm:styleLbl>
+  <dgm:styleLbl name="bgShp">
+    <dgm:fillClrLst meth="repeat">
+      <a:schemeClr val="accent4">
+        <a:tint val="40000"/>
+      </a:schemeClr>
+    </dgm:fillClrLst>
+    <dgm:linClrLst meth="repeat">
+      <a:schemeClr val="accent4"/>
+    </dgm:linClrLst>
+    <dgm:effectClrLst/>
+    <dgm:txLinClrLst/>
+    <dgm:txFillClrLst meth="repeat">
+      <a:schemeClr val="dk1"/>
+    </dgm:txFillClrLst>
+    <dgm:txEffectClrLst/>
+  </dgm:styleLbl>
+  <dgm:styleLbl name="dkBgShp">
+    <dgm:fillClrLst meth="repeat">
+      <a:schemeClr val="accent4">
+        <a:shade val="80000"/>
+      </a:schemeClr>
+    </dgm:fillClrLst>
+    <dgm:linClrLst meth="repeat">
+      <a:schemeClr val="accent4"/>
+    </dgm:linClrLst>
+    <dgm:effectClrLst/>
+    <dgm:txLinClrLst/>
+    <dgm:txFillClrLst meth="repeat">
+      <a:schemeClr val="lt1"/>
+    </dgm:txFillClrLst>
+    <dgm:txEffectClrLst/>
+  </dgm:styleLbl>
+  <dgm:styleLbl name="trBgShp">
+    <dgm:fillClrLst meth="repeat">
+      <a:schemeClr val="accent4">
+        <a:tint val="50000"/>
+        <a:alpha val="40000"/>
+      </a:schemeClr>
+    </dgm:fillClrLst>
+    <dgm:linClrLst meth="repeat">
+      <a:schemeClr val="accent4"/>
+    </dgm:linClrLst>
+    <dgm:effectClrLst/>
+    <dgm:txLinClrLst/>
+    <dgm:txFillClrLst meth="repeat">
+      <a:schemeClr val="lt1"/>
+    </dgm:txFillClrLst>
+    <dgm:txEffectClrLst/>
+  </dgm:styleLbl>
+  <dgm:styleLbl name="fgShp">
+    <dgm:fillClrLst meth="repeat">
+      <a:schemeClr val="accent4">
+        <a:tint val="60000"/>
+      </a:schemeClr>
+    </dgm:fillClrLst>
+    <dgm:linClrLst meth="repeat">
+      <a:schemeClr val="lt1"/>
+    </dgm:linClrLst>
+    <dgm:effectClrLst/>
+    <dgm:txLinClrLst/>
+    <dgm:txFillClrLst meth="repeat">
+      <a:schemeClr val="dk1"/>
+    </dgm:txFillClrLst>
+    <dgm:txEffectClrLst/>
+  </dgm:styleLbl>
+  <dgm:styleLbl name="revTx">
+    <dgm:fillClrLst meth="repeat">
+      <a:schemeClr val="lt1">
+        <a:alpha val="0"/>
+      </a:schemeClr>
+    </dgm:fillClrLst>
+    <dgm:linClrLst meth="repeat">
+      <a:schemeClr val="dk1">
+        <a:alpha val="0"/>
+      </a:schemeClr>
+    </dgm:linClrLst>
+    <dgm:effectClrLst/>
+    <dgm:txLinClrLst/>
+    <dgm:txFillClrLst meth="repeat">
+      <a:schemeClr val="tx1"/>
+    </dgm:txFillClrLst>
+    <dgm:txEffectClrLst/>
+  </dgm:styleLbl>
+</dgm:colorsDef>
+</file>
+
+<file path=ppt/diagrams/colors5.xml><?xml version="1.0" encoding="utf-8"?>
 <dgm:colorsDef xmlns:dgm="http://schemas.openxmlformats.org/drawingml/2006/diagram" xmlns:a="http://schemas.openxmlformats.org/drawingml/2006/main" uniqueId="urn:microsoft.com/office/officeart/2005/8/colors/accent4_2">
   <dgm:title val=""/>
   <dgm:desc val=""/>
@@ -5943,7 +6690,7 @@
         <a:bodyPr/>
         <a:lstStyle/>
         <a:p>
-          <a:endParaRPr lang="zh-TW" altLang="en-US" sz="1600" b="1">
+          <a:endParaRPr lang="zh-TW" altLang="en-US" sz="1600" b="1" dirty="0">
             <a:solidFill>
               <a:srgbClr val="336666">
                 <a:hueOff val="0"/>
@@ -6622,6 +7369,545 @@
   <dgm:extLst>
     <a:ext uri="http://schemas.microsoft.com/office/drawing/2008/diagram">
       <dsp:dataModelExt xmlns:dsp="http://schemas.microsoft.com/office/drawing/2008/diagram" relId="rId22" minVer="http://schemas.openxmlformats.org/drawingml/2006/diagram"/>
+    </a:ext>
+  </dgm:extLst>
+</dgm:dataModel>
+</file>
+
+<file path=ppt/diagrams/data5.xml><?xml version="1.0" encoding="utf-8"?>
+<dgm:dataModel xmlns:dgm="http://schemas.openxmlformats.org/drawingml/2006/diagram" xmlns:a="http://schemas.openxmlformats.org/drawingml/2006/main">
+  <dgm:ptLst>
+    <dgm:pt modelId="{9F7F65AF-8DED-45DD-9448-000CCB3BC488}" type="doc">
+      <dgm:prSet loTypeId="urn:microsoft.com/office/officeart/2005/8/layout/hierarchy2" loCatId="hierarchy" qsTypeId="urn:microsoft.com/office/officeart/2005/8/quickstyle/simple1" qsCatId="simple" csTypeId="urn:microsoft.com/office/officeart/2005/8/colors/accent4_2" csCatId="accent4" phldr="1"/>
+      <dgm:spPr/>
+      <dgm:t>
+        <a:bodyPr/>
+        <a:lstStyle/>
+        <a:p>
+          <a:endParaRPr lang="zh-TW" altLang="en-US"/>
+        </a:p>
+      </dgm:t>
+    </dgm:pt>
+    <dgm:pt modelId="{725F1B33-C36F-4B2B-B58B-3396956F45E3}">
+      <dgm:prSet phldrT="[文字]" custT="1">
+        <dgm:style>
+          <a:lnRef idx="2">
+            <a:schemeClr val="dk1"/>
+          </a:lnRef>
+          <a:fillRef idx="1">
+            <a:schemeClr val="lt1"/>
+          </a:fillRef>
+          <a:effectRef idx="0">
+            <a:schemeClr val="dk1"/>
+          </a:effectRef>
+          <a:fontRef idx="minor">
+            <a:schemeClr val="dk1"/>
+          </a:fontRef>
+        </dgm:style>
+      </dgm:prSet>
+      <dgm:spPr>
+        <a:xfrm>
+          <a:off x="463" y="2160259"/>
+          <a:ext cx="899996" cy="360000"/>
+        </a:xfrm>
+        <a:prstGeom prst="roundRect">
+          <a:avLst>
+            <a:gd name="adj" fmla="val 10000"/>
+          </a:avLst>
+        </a:prstGeom>
+        <a:solidFill>
+          <a:srgbClr val="FFFFFF"/>
+        </a:solidFill>
+        <a:ln w="25400" cap="flat" cmpd="sng" algn="ctr">
+          <a:solidFill>
+            <a:srgbClr val="336666"/>
+          </a:solidFill>
+          <a:prstDash val="solid"/>
+        </a:ln>
+        <a:effectLst/>
+      </dgm:spPr>
+      <dgm:t>
+        <a:bodyPr/>
+        <a:lstStyle/>
+        <a:p>
+          <a:r>
+            <a:rPr lang="zh-TW" altLang="en-US" sz="1600" b="1" dirty="0" smtClean="0">
+              <a:solidFill>
+                <a:srgbClr val="336666"/>
+              </a:solidFill>
+              <a:latin typeface="微軟正黑體" pitchFamily="34" charset="-120"/>
+              <a:ea typeface="微軟正黑體" pitchFamily="34" charset="-120"/>
+              <a:cs typeface="+mn-cs"/>
+            </a:rPr>
+            <a:t>遊戲紀錄</a:t>
+          </a:r>
+          <a:endParaRPr lang="zh-TW" altLang="en-US" sz="1600" b="1" dirty="0">
+            <a:solidFill>
+              <a:srgbClr val="336666"/>
+            </a:solidFill>
+            <a:latin typeface="微軟正黑體" pitchFamily="34" charset="-120"/>
+            <a:ea typeface="微軟正黑體" pitchFamily="34" charset="-120"/>
+            <a:cs typeface="+mn-cs"/>
+          </a:endParaRPr>
+        </a:p>
+      </dgm:t>
+    </dgm:pt>
+    <dgm:pt modelId="{B47406EB-B516-42F2-B85C-0CFA6A545225}" type="parTrans" cxnId="{CF867DAE-626B-4DB8-A81F-F93836511EEA}">
+      <dgm:prSet/>
+      <dgm:spPr/>
+      <dgm:t>
+        <a:bodyPr/>
+        <a:lstStyle/>
+        <a:p>
+          <a:endParaRPr lang="zh-TW" altLang="en-US" sz="1600" b="1">
+            <a:latin typeface="微軟正黑體" pitchFamily="34" charset="-120"/>
+            <a:ea typeface="微軟正黑體" pitchFamily="34" charset="-120"/>
+          </a:endParaRPr>
+        </a:p>
+      </dgm:t>
+    </dgm:pt>
+    <dgm:pt modelId="{518F3C58-8343-4AEA-A664-6D1B6222AED1}" type="sibTrans" cxnId="{CF867DAE-626B-4DB8-A81F-F93836511EEA}">
+      <dgm:prSet/>
+      <dgm:spPr/>
+      <dgm:t>
+        <a:bodyPr/>
+        <a:lstStyle/>
+        <a:p>
+          <a:endParaRPr lang="zh-TW" altLang="en-US" sz="1600" b="1">
+            <a:latin typeface="微軟正黑體" pitchFamily="34" charset="-120"/>
+            <a:ea typeface="微軟正黑體" pitchFamily="34" charset="-120"/>
+          </a:endParaRPr>
+        </a:p>
+      </dgm:t>
+    </dgm:pt>
+    <dgm:pt modelId="{6D91485F-5118-44E7-8287-B191A045BAA4}">
+      <dgm:prSet phldrT="[文字]" custT="1"/>
+      <dgm:spPr>
+        <a:xfrm>
+          <a:off x="1321189" y="1757352"/>
+          <a:ext cx="1330965" cy="380273"/>
+        </a:xfrm>
+        <a:prstGeom prst="roundRect">
+          <a:avLst>
+            <a:gd name="adj" fmla="val 10000"/>
+          </a:avLst>
+        </a:prstGeom>
+        <a:solidFill>
+          <a:srgbClr val="2A5656">
+            <a:hueOff val="0"/>
+            <a:satOff val="0"/>
+            <a:lumOff val="0"/>
+            <a:alphaOff val="0"/>
+          </a:srgbClr>
+        </a:solidFill>
+        <a:ln w="25400" cap="flat" cmpd="sng" algn="ctr">
+          <a:solidFill>
+            <a:srgbClr val="FFFFFF">
+              <a:hueOff val="0"/>
+              <a:satOff val="0"/>
+              <a:lumOff val="0"/>
+              <a:alphaOff val="0"/>
+            </a:srgbClr>
+          </a:solidFill>
+          <a:prstDash val="solid"/>
+        </a:ln>
+        <a:effectLst/>
+      </dgm:spPr>
+      <dgm:t>
+        <a:bodyPr/>
+        <a:lstStyle/>
+        <a:p>
+          <a:r>
+            <a:rPr lang="zh-TW" altLang="en-US" sz="1600" b="1" dirty="0" smtClean="0">
+              <a:solidFill>
+                <a:srgbClr val="FFFFFF"/>
+              </a:solidFill>
+              <a:latin typeface="微軟正黑體" pitchFamily="34" charset="-120"/>
+              <a:ea typeface="微軟正黑體" pitchFamily="34" charset="-120"/>
+              <a:cs typeface="+mn-cs"/>
+            </a:rPr>
+            <a:t>勝平敗場次</a:t>
+          </a:r>
+          <a:endParaRPr lang="zh-TW" altLang="en-US" sz="1600" b="1" dirty="0">
+            <a:solidFill>
+              <a:srgbClr val="FFFFFF"/>
+            </a:solidFill>
+            <a:latin typeface="微軟正黑體" pitchFamily="34" charset="-120"/>
+            <a:ea typeface="微軟正黑體" pitchFamily="34" charset="-120"/>
+            <a:cs typeface="+mn-cs"/>
+          </a:endParaRPr>
+        </a:p>
+      </dgm:t>
+    </dgm:pt>
+    <dgm:pt modelId="{8F0B08AE-2ED9-420A-9DC6-EB50FAD0F782}" type="parTrans" cxnId="{301787AB-2B35-4A27-833E-D6A4DB60F0D6}">
+      <dgm:prSet custT="1"/>
+      <dgm:spPr>
+        <a:xfrm rot="19018109">
+          <a:off x="823038" y="2133778"/>
+          <a:ext cx="575571" cy="20192"/>
+        </a:xfrm>
+        <a:custGeom>
+          <a:avLst/>
+          <a:gdLst/>
+          <a:ahLst/>
+          <a:cxnLst/>
+          <a:rect l="0" t="0" r="0" b="0"/>
+          <a:pathLst>
+            <a:path>
+              <a:moveTo>
+                <a:pt x="0" y="10096"/>
+              </a:moveTo>
+              <a:lnTo>
+                <a:pt x="575571" y="10096"/>
+              </a:lnTo>
+            </a:path>
+          </a:pathLst>
+        </a:custGeom>
+        <a:noFill/>
+        <a:ln w="25400" cap="flat" cmpd="sng" algn="ctr">
+          <a:solidFill>
+            <a:srgbClr val="2A5656">
+              <a:shade val="60000"/>
+              <a:hueOff val="0"/>
+              <a:satOff val="0"/>
+              <a:lumOff val="0"/>
+              <a:alphaOff val="0"/>
+            </a:srgbClr>
+          </a:solidFill>
+          <a:prstDash val="solid"/>
+        </a:ln>
+        <a:effectLst/>
+      </dgm:spPr>
+      <dgm:t>
+        <a:bodyPr/>
+        <a:lstStyle/>
+        <a:p>
+          <a:endParaRPr lang="zh-TW" altLang="en-US" sz="1600" b="1">
+            <a:solidFill>
+              <a:srgbClr val="336666">
+                <a:hueOff val="0"/>
+                <a:satOff val="0"/>
+                <a:lumOff val="0"/>
+                <a:alphaOff val="0"/>
+              </a:srgbClr>
+            </a:solidFill>
+            <a:latin typeface="微軟正黑體" pitchFamily="34" charset="-120"/>
+            <a:ea typeface="微軟正黑體" pitchFamily="34" charset="-120"/>
+            <a:cs typeface="+mn-cs"/>
+          </a:endParaRPr>
+        </a:p>
+      </dgm:t>
+    </dgm:pt>
+    <dgm:pt modelId="{7CB068DE-38DF-4250-AE34-E2FD017A379A}" type="sibTrans" cxnId="{301787AB-2B35-4A27-833E-D6A4DB60F0D6}">
+      <dgm:prSet/>
+      <dgm:spPr/>
+      <dgm:t>
+        <a:bodyPr/>
+        <a:lstStyle/>
+        <a:p>
+          <a:endParaRPr lang="zh-TW" altLang="en-US" sz="1600" b="1">
+            <a:latin typeface="微軟正黑體" pitchFamily="34" charset="-120"/>
+            <a:ea typeface="微軟正黑體" pitchFamily="34" charset="-120"/>
+          </a:endParaRPr>
+        </a:p>
+      </dgm:t>
+    </dgm:pt>
+    <dgm:pt modelId="{C5D8C318-DD64-4BFE-A8AA-BA84F9DDCA0D}">
+      <dgm:prSet phldrT="[文字]" custT="1"/>
+      <dgm:spPr>
+        <a:xfrm>
+          <a:off x="1320517" y="2300283"/>
+          <a:ext cx="1343315" cy="383807"/>
+        </a:xfrm>
+        <a:prstGeom prst="roundRect">
+          <a:avLst>
+            <a:gd name="adj" fmla="val 10000"/>
+          </a:avLst>
+        </a:prstGeom>
+        <a:solidFill>
+          <a:srgbClr val="2A5656">
+            <a:hueOff val="0"/>
+            <a:satOff val="0"/>
+            <a:lumOff val="0"/>
+            <a:alphaOff val="0"/>
+          </a:srgbClr>
+        </a:solidFill>
+        <a:ln w="25400" cap="flat" cmpd="sng" algn="ctr">
+          <a:solidFill>
+            <a:srgbClr val="FFFFFF">
+              <a:hueOff val="0"/>
+              <a:satOff val="0"/>
+              <a:lumOff val="0"/>
+              <a:alphaOff val="0"/>
+            </a:srgbClr>
+          </a:solidFill>
+          <a:prstDash val="solid"/>
+        </a:ln>
+        <a:effectLst/>
+      </dgm:spPr>
+      <dgm:t>
+        <a:bodyPr/>
+        <a:lstStyle/>
+        <a:p>
+          <a:r>
+            <a:rPr lang="zh-TW" altLang="en-US" sz="1600" b="1" dirty="0" smtClean="0">
+              <a:solidFill>
+                <a:srgbClr val="FFFFFF"/>
+              </a:solidFill>
+              <a:latin typeface="微軟正黑體" pitchFamily="34" charset="-120"/>
+              <a:ea typeface="微軟正黑體" pitchFamily="34" charset="-120"/>
+              <a:cs typeface="+mn-cs"/>
+            </a:rPr>
+            <a:t>對戰歷史</a:t>
+          </a:r>
+          <a:endParaRPr lang="zh-TW" altLang="en-US" sz="1600" b="1" dirty="0">
+            <a:solidFill>
+              <a:srgbClr val="FFFFFF"/>
+            </a:solidFill>
+            <a:latin typeface="微軟正黑體" pitchFamily="34" charset="-120"/>
+            <a:ea typeface="微軟正黑體" pitchFamily="34" charset="-120"/>
+            <a:cs typeface="+mn-cs"/>
+          </a:endParaRPr>
+        </a:p>
+      </dgm:t>
+    </dgm:pt>
+    <dgm:pt modelId="{A539BE2A-5A31-42DA-AE96-CE20F8309367}" type="sibTrans" cxnId="{2A9166D6-E8AB-4D72-ADEC-33FB32F77E09}">
+      <dgm:prSet/>
+      <dgm:spPr/>
+      <dgm:t>
+        <a:bodyPr/>
+        <a:lstStyle/>
+        <a:p>
+          <a:endParaRPr lang="zh-TW" altLang="en-US" sz="1600" b="1">
+            <a:latin typeface="微軟正黑體" pitchFamily="34" charset="-120"/>
+            <a:ea typeface="微軟正黑體" pitchFamily="34" charset="-120"/>
+          </a:endParaRPr>
+        </a:p>
+      </dgm:t>
+    </dgm:pt>
+    <dgm:pt modelId="{5AB50F58-3BBF-4A7D-8A0F-73FD864754D1}" type="parTrans" cxnId="{2A9166D6-E8AB-4D72-ADEC-33FB32F77E09}">
+      <dgm:prSet custT="1"/>
+      <dgm:spPr>
+        <a:xfrm rot="1193046">
+          <a:off x="887144" y="2406127"/>
+          <a:ext cx="446688" cy="20192"/>
+        </a:xfrm>
+        <a:custGeom>
+          <a:avLst/>
+          <a:gdLst/>
+          <a:ahLst/>
+          <a:cxnLst/>
+          <a:rect l="0" t="0" r="0" b="0"/>
+          <a:pathLst>
+            <a:path>
+              <a:moveTo>
+                <a:pt x="0" y="10096"/>
+              </a:moveTo>
+              <a:lnTo>
+                <a:pt x="446688" y="10096"/>
+              </a:lnTo>
+            </a:path>
+          </a:pathLst>
+        </a:custGeom>
+        <a:noFill/>
+        <a:ln w="25400" cap="flat" cmpd="sng" algn="ctr">
+          <a:solidFill>
+            <a:srgbClr val="2A5656">
+              <a:shade val="60000"/>
+              <a:hueOff val="0"/>
+              <a:satOff val="0"/>
+              <a:lumOff val="0"/>
+              <a:alphaOff val="0"/>
+            </a:srgbClr>
+          </a:solidFill>
+          <a:prstDash val="solid"/>
+        </a:ln>
+        <a:effectLst/>
+      </dgm:spPr>
+      <dgm:t>
+        <a:bodyPr/>
+        <a:lstStyle/>
+        <a:p>
+          <a:endParaRPr lang="zh-TW" altLang="en-US" sz="1600" b="1">
+            <a:solidFill>
+              <a:srgbClr val="336666">
+                <a:hueOff val="0"/>
+                <a:satOff val="0"/>
+                <a:lumOff val="0"/>
+                <a:alphaOff val="0"/>
+              </a:srgbClr>
+            </a:solidFill>
+            <a:latin typeface="微軟正黑體" pitchFamily="34" charset="-120"/>
+            <a:ea typeface="微軟正黑體" pitchFamily="34" charset="-120"/>
+            <a:cs typeface="+mn-cs"/>
+          </a:endParaRPr>
+        </a:p>
+      </dgm:t>
+    </dgm:pt>
+    <dgm:pt modelId="{D13C3339-2004-431C-B16C-1DF9BF2F6CD2}" type="pres">
+      <dgm:prSet presAssocID="{9F7F65AF-8DED-45DD-9448-000CCB3BC488}" presName="diagram" presStyleCnt="0">
+        <dgm:presLayoutVars>
+          <dgm:chPref val="1"/>
+          <dgm:dir/>
+          <dgm:animOne val="branch"/>
+          <dgm:animLvl val="lvl"/>
+          <dgm:resizeHandles val="exact"/>
+        </dgm:presLayoutVars>
+      </dgm:prSet>
+      <dgm:spPr/>
+      <dgm:t>
+        <a:bodyPr/>
+        <a:lstStyle/>
+        <a:p>
+          <a:endParaRPr lang="zh-TW" altLang="en-US"/>
+        </a:p>
+      </dgm:t>
+    </dgm:pt>
+    <dgm:pt modelId="{211BE230-17FD-408C-B590-52D1F61C2818}" type="pres">
+      <dgm:prSet presAssocID="{725F1B33-C36F-4B2B-B58B-3396956F45E3}" presName="root1" presStyleCnt="0"/>
+      <dgm:spPr/>
+    </dgm:pt>
+    <dgm:pt modelId="{1E2EF1A7-5398-4919-B7E7-9AB015E76282}" type="pres">
+      <dgm:prSet presAssocID="{725F1B33-C36F-4B2B-B58B-3396956F45E3}" presName="LevelOneTextNode" presStyleLbl="node0" presStyleIdx="0" presStyleCnt="1" custScaleX="85702" custScaleY="68562" custLinFactNeighborY="-41179">
+        <dgm:presLayoutVars>
+          <dgm:chPref val="3"/>
+        </dgm:presLayoutVars>
+      </dgm:prSet>
+      <dgm:spPr/>
+      <dgm:t>
+        <a:bodyPr/>
+        <a:lstStyle/>
+        <a:p>
+          <a:endParaRPr lang="zh-TW" altLang="en-US"/>
+        </a:p>
+      </dgm:t>
+    </dgm:pt>
+    <dgm:pt modelId="{5F0CA049-4578-4D65-9D8B-72B8A982665B}" type="pres">
+      <dgm:prSet presAssocID="{725F1B33-C36F-4B2B-B58B-3396956F45E3}" presName="level2hierChild" presStyleCnt="0"/>
+      <dgm:spPr/>
+    </dgm:pt>
+    <dgm:pt modelId="{CAFD31B8-AAC1-4CB4-B3C2-07C59C23C986}" type="pres">
+      <dgm:prSet presAssocID="{8F0B08AE-2ED9-420A-9DC6-EB50FAD0F782}" presName="conn2-1" presStyleLbl="parChTrans1D2" presStyleIdx="0" presStyleCnt="2"/>
+      <dgm:spPr/>
+      <dgm:t>
+        <a:bodyPr/>
+        <a:lstStyle/>
+        <a:p>
+          <a:endParaRPr lang="zh-TW" altLang="en-US"/>
+        </a:p>
+      </dgm:t>
+    </dgm:pt>
+    <dgm:pt modelId="{85096CA2-E624-49DD-BFFC-DA06EEFA8353}" type="pres">
+      <dgm:prSet presAssocID="{8F0B08AE-2ED9-420A-9DC6-EB50FAD0F782}" presName="connTx" presStyleLbl="parChTrans1D2" presStyleIdx="0" presStyleCnt="2"/>
+      <dgm:spPr/>
+      <dgm:t>
+        <a:bodyPr/>
+        <a:lstStyle/>
+        <a:p>
+          <a:endParaRPr lang="zh-TW" altLang="en-US"/>
+        </a:p>
+      </dgm:t>
+    </dgm:pt>
+    <dgm:pt modelId="{20D4240F-2CEA-4713-A193-5C19039B4C23}" type="pres">
+      <dgm:prSet presAssocID="{6D91485F-5118-44E7-8287-B191A045BAA4}" presName="root2" presStyleCnt="0"/>
+      <dgm:spPr/>
+    </dgm:pt>
+    <dgm:pt modelId="{2791497F-B5AC-400E-B1A3-8458F10CAD7A}" type="pres">
+      <dgm:prSet presAssocID="{6D91485F-5118-44E7-8287-B191A045BAA4}" presName="LevelTwoTextNode" presStyleLbl="node2" presStyleIdx="0" presStyleCnt="2" custScaleX="126741" custScaleY="72423" custLinFactNeighborX="64" custLinFactNeighborY="-50081">
+        <dgm:presLayoutVars>
+          <dgm:chPref val="3"/>
+        </dgm:presLayoutVars>
+      </dgm:prSet>
+      <dgm:spPr/>
+      <dgm:t>
+        <a:bodyPr/>
+        <a:lstStyle/>
+        <a:p>
+          <a:endParaRPr lang="zh-TW" altLang="en-US"/>
+        </a:p>
+      </dgm:t>
+    </dgm:pt>
+    <dgm:pt modelId="{53204B11-B395-4DA7-BF68-E923AEA1B896}" type="pres">
+      <dgm:prSet presAssocID="{6D91485F-5118-44E7-8287-B191A045BAA4}" presName="level3hierChild" presStyleCnt="0"/>
+      <dgm:spPr/>
+    </dgm:pt>
+    <dgm:pt modelId="{4B5A1C6E-CFB3-437F-8A18-215D669277D0}" type="pres">
+      <dgm:prSet presAssocID="{5AB50F58-3BBF-4A7D-8A0F-73FD864754D1}" presName="conn2-1" presStyleLbl="parChTrans1D2" presStyleIdx="1" presStyleCnt="2"/>
+      <dgm:spPr/>
+      <dgm:t>
+        <a:bodyPr/>
+        <a:lstStyle/>
+        <a:p>
+          <a:endParaRPr lang="zh-TW" altLang="en-US"/>
+        </a:p>
+      </dgm:t>
+    </dgm:pt>
+    <dgm:pt modelId="{D3CC59F9-B883-41CC-8A99-E456B0B43064}" type="pres">
+      <dgm:prSet presAssocID="{5AB50F58-3BBF-4A7D-8A0F-73FD864754D1}" presName="connTx" presStyleLbl="parChTrans1D2" presStyleIdx="1" presStyleCnt="2"/>
+      <dgm:spPr/>
+      <dgm:t>
+        <a:bodyPr/>
+        <a:lstStyle/>
+        <a:p>
+          <a:endParaRPr lang="zh-TW" altLang="en-US"/>
+        </a:p>
+      </dgm:t>
+    </dgm:pt>
+    <dgm:pt modelId="{9AD69192-2786-478A-898F-782A3A8817D6}" type="pres">
+      <dgm:prSet presAssocID="{C5D8C318-DD64-4BFE-A8AA-BA84F9DDCA0D}" presName="root2" presStyleCnt="0"/>
+      <dgm:spPr/>
+    </dgm:pt>
+    <dgm:pt modelId="{EB7D6973-D35C-442D-B10C-FD559A7DAC7D}" type="pres">
+      <dgm:prSet presAssocID="{C5D8C318-DD64-4BFE-A8AA-BA84F9DDCA0D}" presName="LevelTwoTextNode" presStyleLbl="node2" presStyleIdx="1" presStyleCnt="2" custScaleX="127917" custScaleY="73096" custLinFactNeighborY="-41464">
+        <dgm:presLayoutVars>
+          <dgm:chPref val="3"/>
+        </dgm:presLayoutVars>
+      </dgm:prSet>
+      <dgm:spPr/>
+      <dgm:t>
+        <a:bodyPr/>
+        <a:lstStyle/>
+        <a:p>
+          <a:endParaRPr lang="zh-TW" altLang="en-US"/>
+        </a:p>
+      </dgm:t>
+    </dgm:pt>
+    <dgm:pt modelId="{5B2EC792-35B7-440F-8B65-AF43F82AC720}" type="pres">
+      <dgm:prSet presAssocID="{C5D8C318-DD64-4BFE-A8AA-BA84F9DDCA0D}" presName="level3hierChild" presStyleCnt="0"/>
+      <dgm:spPr/>
+    </dgm:pt>
+  </dgm:ptLst>
+  <dgm:cxnLst>
+    <dgm:cxn modelId="{C15AF179-97AC-4C27-9B4F-92647748BD5F}" type="presOf" srcId="{5AB50F58-3BBF-4A7D-8A0F-73FD864754D1}" destId="{4B5A1C6E-CFB3-437F-8A18-215D669277D0}" srcOrd="0" destOrd="0" presId="urn:microsoft.com/office/officeart/2005/8/layout/hierarchy2"/>
+    <dgm:cxn modelId="{CF867DAE-626B-4DB8-A81F-F93836511EEA}" srcId="{9F7F65AF-8DED-45DD-9448-000CCB3BC488}" destId="{725F1B33-C36F-4B2B-B58B-3396956F45E3}" srcOrd="0" destOrd="0" parTransId="{B47406EB-B516-42F2-B85C-0CFA6A545225}" sibTransId="{518F3C58-8343-4AEA-A664-6D1B6222AED1}"/>
+    <dgm:cxn modelId="{9A4239E7-EDB6-4DD1-9555-269FF8025512}" type="presOf" srcId="{6D91485F-5118-44E7-8287-B191A045BAA4}" destId="{2791497F-B5AC-400E-B1A3-8458F10CAD7A}" srcOrd="0" destOrd="0" presId="urn:microsoft.com/office/officeart/2005/8/layout/hierarchy2"/>
+    <dgm:cxn modelId="{08254ACA-23F4-4A1B-8FD6-B747D378E39D}" type="presOf" srcId="{5AB50F58-3BBF-4A7D-8A0F-73FD864754D1}" destId="{D3CC59F9-B883-41CC-8A99-E456B0B43064}" srcOrd="1" destOrd="0" presId="urn:microsoft.com/office/officeart/2005/8/layout/hierarchy2"/>
+    <dgm:cxn modelId="{7CD1E949-34BE-4A42-9736-808926ADE9BA}" type="presOf" srcId="{8F0B08AE-2ED9-420A-9DC6-EB50FAD0F782}" destId="{CAFD31B8-AAC1-4CB4-B3C2-07C59C23C986}" srcOrd="0" destOrd="0" presId="urn:microsoft.com/office/officeart/2005/8/layout/hierarchy2"/>
+    <dgm:cxn modelId="{EB004230-CED1-4520-9485-C37164A83DA9}" type="presOf" srcId="{9F7F65AF-8DED-45DD-9448-000CCB3BC488}" destId="{D13C3339-2004-431C-B16C-1DF9BF2F6CD2}" srcOrd="0" destOrd="0" presId="urn:microsoft.com/office/officeart/2005/8/layout/hierarchy2"/>
+    <dgm:cxn modelId="{87073B9D-4F54-418F-AD13-A38097C38112}" type="presOf" srcId="{725F1B33-C36F-4B2B-B58B-3396956F45E3}" destId="{1E2EF1A7-5398-4919-B7E7-9AB015E76282}" srcOrd="0" destOrd="0" presId="urn:microsoft.com/office/officeart/2005/8/layout/hierarchy2"/>
+    <dgm:cxn modelId="{4D2779FA-28AF-4559-A6B6-F70D7D3A30A5}" type="presOf" srcId="{8F0B08AE-2ED9-420A-9DC6-EB50FAD0F782}" destId="{85096CA2-E624-49DD-BFFC-DA06EEFA8353}" srcOrd="1" destOrd="0" presId="urn:microsoft.com/office/officeart/2005/8/layout/hierarchy2"/>
+    <dgm:cxn modelId="{301787AB-2B35-4A27-833E-D6A4DB60F0D6}" srcId="{725F1B33-C36F-4B2B-B58B-3396956F45E3}" destId="{6D91485F-5118-44E7-8287-B191A045BAA4}" srcOrd="0" destOrd="0" parTransId="{8F0B08AE-2ED9-420A-9DC6-EB50FAD0F782}" sibTransId="{7CB068DE-38DF-4250-AE34-E2FD017A379A}"/>
+    <dgm:cxn modelId="{2A9166D6-E8AB-4D72-ADEC-33FB32F77E09}" srcId="{725F1B33-C36F-4B2B-B58B-3396956F45E3}" destId="{C5D8C318-DD64-4BFE-A8AA-BA84F9DDCA0D}" srcOrd="1" destOrd="0" parTransId="{5AB50F58-3BBF-4A7D-8A0F-73FD864754D1}" sibTransId="{A539BE2A-5A31-42DA-AE96-CE20F8309367}"/>
+    <dgm:cxn modelId="{9094EBFF-91EF-4BCA-969D-83DE383AE356}" type="presOf" srcId="{C5D8C318-DD64-4BFE-A8AA-BA84F9DDCA0D}" destId="{EB7D6973-D35C-442D-B10C-FD559A7DAC7D}" srcOrd="0" destOrd="0" presId="urn:microsoft.com/office/officeart/2005/8/layout/hierarchy2"/>
+    <dgm:cxn modelId="{115C9395-74F9-4709-B511-7AAAD6E3F39F}" type="presParOf" srcId="{D13C3339-2004-431C-B16C-1DF9BF2F6CD2}" destId="{211BE230-17FD-408C-B590-52D1F61C2818}" srcOrd="0" destOrd="0" presId="urn:microsoft.com/office/officeart/2005/8/layout/hierarchy2"/>
+    <dgm:cxn modelId="{B402AC53-2A3D-4796-9D23-AA5C34EC4A57}" type="presParOf" srcId="{211BE230-17FD-408C-B590-52D1F61C2818}" destId="{1E2EF1A7-5398-4919-B7E7-9AB015E76282}" srcOrd="0" destOrd="0" presId="urn:microsoft.com/office/officeart/2005/8/layout/hierarchy2"/>
+    <dgm:cxn modelId="{B8C8D4BC-C6FA-434D-BC9F-08CFC0AF99CA}" type="presParOf" srcId="{211BE230-17FD-408C-B590-52D1F61C2818}" destId="{5F0CA049-4578-4D65-9D8B-72B8A982665B}" srcOrd="1" destOrd="0" presId="urn:microsoft.com/office/officeart/2005/8/layout/hierarchy2"/>
+    <dgm:cxn modelId="{680AD91D-BC27-4780-8098-67E89A6D1839}" type="presParOf" srcId="{5F0CA049-4578-4D65-9D8B-72B8A982665B}" destId="{CAFD31B8-AAC1-4CB4-B3C2-07C59C23C986}" srcOrd="0" destOrd="0" presId="urn:microsoft.com/office/officeart/2005/8/layout/hierarchy2"/>
+    <dgm:cxn modelId="{62D968BB-CEFF-42AD-9435-5BCC35FEDF00}" type="presParOf" srcId="{CAFD31B8-AAC1-4CB4-B3C2-07C59C23C986}" destId="{85096CA2-E624-49DD-BFFC-DA06EEFA8353}" srcOrd="0" destOrd="0" presId="urn:microsoft.com/office/officeart/2005/8/layout/hierarchy2"/>
+    <dgm:cxn modelId="{2B5C735B-6C22-4369-A8B8-4046EF20C82F}" type="presParOf" srcId="{5F0CA049-4578-4D65-9D8B-72B8A982665B}" destId="{20D4240F-2CEA-4713-A193-5C19039B4C23}" srcOrd="1" destOrd="0" presId="urn:microsoft.com/office/officeart/2005/8/layout/hierarchy2"/>
+    <dgm:cxn modelId="{2AA3778B-47E8-4F80-9DC3-C4EDD26D063E}" type="presParOf" srcId="{20D4240F-2CEA-4713-A193-5C19039B4C23}" destId="{2791497F-B5AC-400E-B1A3-8458F10CAD7A}" srcOrd="0" destOrd="0" presId="urn:microsoft.com/office/officeart/2005/8/layout/hierarchy2"/>
+    <dgm:cxn modelId="{E523311A-5D53-428B-8424-FAC279E36427}" type="presParOf" srcId="{20D4240F-2CEA-4713-A193-5C19039B4C23}" destId="{53204B11-B395-4DA7-BF68-E923AEA1B896}" srcOrd="1" destOrd="0" presId="urn:microsoft.com/office/officeart/2005/8/layout/hierarchy2"/>
+    <dgm:cxn modelId="{C9FC06A8-0E5E-4EA8-8995-020B748FE79E}" type="presParOf" srcId="{5F0CA049-4578-4D65-9D8B-72B8A982665B}" destId="{4B5A1C6E-CFB3-437F-8A18-215D669277D0}" srcOrd="2" destOrd="0" presId="urn:microsoft.com/office/officeart/2005/8/layout/hierarchy2"/>
+    <dgm:cxn modelId="{DBBB3727-54F6-43A4-8824-E5310BA2A7FC}" type="presParOf" srcId="{4B5A1C6E-CFB3-437F-8A18-215D669277D0}" destId="{D3CC59F9-B883-41CC-8A99-E456B0B43064}" srcOrd="0" destOrd="0" presId="urn:microsoft.com/office/officeart/2005/8/layout/hierarchy2"/>
+    <dgm:cxn modelId="{119B32D2-0A7D-41AC-A5A3-4902DC0A5668}" type="presParOf" srcId="{5F0CA049-4578-4D65-9D8B-72B8A982665B}" destId="{9AD69192-2786-478A-898F-782A3A8817D6}" srcOrd="3" destOrd="0" presId="urn:microsoft.com/office/officeart/2005/8/layout/hierarchy2"/>
+    <dgm:cxn modelId="{13BDAC4E-9856-4820-A3E6-F5E4C6ACFCF8}" type="presParOf" srcId="{9AD69192-2786-478A-898F-782A3A8817D6}" destId="{EB7D6973-D35C-442D-B10C-FD559A7DAC7D}" srcOrd="0" destOrd="0" presId="urn:microsoft.com/office/officeart/2005/8/layout/hierarchy2"/>
+    <dgm:cxn modelId="{F0E3560E-D3FE-4014-974D-7B6AADC9E437}" type="presParOf" srcId="{9AD69192-2786-478A-898F-782A3A8817D6}" destId="{5B2EC792-35B7-440F-8B65-AF43F82AC720}" srcOrd="1" destOrd="0" presId="urn:microsoft.com/office/officeart/2005/8/layout/hierarchy2"/>
+  </dgm:cxnLst>
+  <dgm:bg/>
+  <dgm:whole/>
+  <dgm:extLst>
+    <a:ext uri="http://schemas.microsoft.com/office/drawing/2008/diagram">
+      <dsp:dataModelExt xmlns:dsp="http://schemas.microsoft.com/office/drawing/2008/diagram" relId="rId27" minVer="http://schemas.openxmlformats.org/drawingml/2006/diagram"/>
     </a:ext>
   </dgm:extLst>
 </dgm:dataModel>
@@ -9187,7 +10473,7 @@
               <a:spcPct val="35000"/>
             </a:spcAft>
           </a:pPr>
-          <a:endParaRPr lang="zh-TW" altLang="en-US" sz="1600" b="1" kern="1200">
+          <a:endParaRPr lang="zh-TW" altLang="en-US" sz="1600" b="1" kern="1200" dirty="0">
             <a:solidFill>
               <a:srgbClr val="336666">
                 <a:hueOff val="0"/>
@@ -9747,6 +11033,469 @@
               <a:cs typeface="+mn-cs"/>
             </a:rPr>
             <a:t>加入遊戲室</a:t>
+          </a:r>
+          <a:endParaRPr lang="zh-TW" altLang="en-US" sz="1600" b="1" kern="1200" dirty="0">
+            <a:solidFill>
+              <a:srgbClr val="FFFFFF"/>
+            </a:solidFill>
+            <a:latin typeface="微軟正黑體" pitchFamily="34" charset="-120"/>
+            <a:ea typeface="微軟正黑體" pitchFamily="34" charset="-120"/>
+            <a:cs typeface="+mn-cs"/>
+          </a:endParaRPr>
+        </a:p>
+      </dsp:txBody>
+      <dsp:txXfrm>
+        <a:off x="1331759" y="659471"/>
+        <a:ext cx="1318946" cy="360809"/>
+      </dsp:txXfrm>
+    </dsp:sp>
+  </dsp:spTree>
+</dsp:drawing>
+</file>
+
+<file path=ppt/diagrams/drawing5.xml><?xml version="1.0" encoding="utf-8"?>
+<dsp:drawing xmlns:dgm="http://schemas.openxmlformats.org/drawingml/2006/diagram" xmlns:dsp="http://schemas.microsoft.com/office/drawing/2008/diagram" xmlns:a="http://schemas.openxmlformats.org/drawingml/2006/main">
+  <dsp:spTree>
+    <dsp:nvGrpSpPr>
+      <dsp:cNvPr id="0" name=""/>
+      <dsp:cNvGrpSpPr/>
+    </dsp:nvGrpSpPr>
+    <dsp:grpSpPr/>
+    <dsp:sp modelId="{1E2EF1A7-5398-4919-B7E7-9AB015E76282}">
+      <dsp:nvSpPr>
+        <dsp:cNvPr id="0" name=""/>
+        <dsp:cNvSpPr/>
+      </dsp:nvSpPr>
+      <dsp:spPr>
+        <a:xfrm>
+          <a:off x="2364" y="432437"/>
+          <a:ext cx="898710" cy="359486"/>
+        </a:xfrm>
+        <a:prstGeom prst="roundRect">
+          <a:avLst>
+            <a:gd name="adj" fmla="val 10000"/>
+          </a:avLst>
+        </a:prstGeom>
+        <a:solidFill>
+          <a:srgbClr val="FFFFFF"/>
+        </a:solidFill>
+        <a:ln w="25400" cap="flat" cmpd="sng" algn="ctr">
+          <a:solidFill>
+            <a:srgbClr val="336666"/>
+          </a:solidFill>
+          <a:prstDash val="solid"/>
+        </a:ln>
+        <a:effectLst/>
+      </dsp:spPr>
+      <dsp:style>
+        <a:lnRef idx="2">
+          <a:schemeClr val="dk1"/>
+        </a:lnRef>
+        <a:fillRef idx="1">
+          <a:schemeClr val="lt1"/>
+        </a:fillRef>
+        <a:effectRef idx="0">
+          <a:schemeClr val="dk1"/>
+        </a:effectRef>
+        <a:fontRef idx="minor">
+          <a:schemeClr val="dk1"/>
+        </a:fontRef>
+      </dsp:style>
+      <dsp:txBody>
+        <a:bodyPr spcFirstLastPara="0" vert="horz" wrap="square" lIns="10160" tIns="10160" rIns="10160" bIns="10160" numCol="1" spcCol="1270" anchor="ctr" anchorCtr="0">
+          <a:noAutofit/>
+        </a:bodyPr>
+        <a:lstStyle/>
+        <a:p>
+          <a:pPr lvl="0" algn="ctr" defTabSz="711200">
+            <a:lnSpc>
+              <a:spcPct val="90000"/>
+            </a:lnSpc>
+            <a:spcBef>
+              <a:spcPct val="0"/>
+            </a:spcBef>
+            <a:spcAft>
+              <a:spcPct val="35000"/>
+            </a:spcAft>
+          </a:pPr>
+          <a:r>
+            <a:rPr lang="zh-TW" altLang="en-US" sz="1600" b="1" kern="1200" dirty="0" smtClean="0">
+              <a:solidFill>
+                <a:srgbClr val="336666"/>
+              </a:solidFill>
+              <a:latin typeface="微軟正黑體" pitchFamily="34" charset="-120"/>
+              <a:ea typeface="微軟正黑體" pitchFamily="34" charset="-120"/>
+              <a:cs typeface="+mn-cs"/>
+            </a:rPr>
+            <a:t>遊戲紀錄</a:t>
+          </a:r>
+          <a:endParaRPr lang="zh-TW" altLang="en-US" sz="1600" b="1" kern="1200" dirty="0">
+            <a:solidFill>
+              <a:srgbClr val="336666"/>
+            </a:solidFill>
+            <a:latin typeface="微軟正黑體" pitchFamily="34" charset="-120"/>
+            <a:ea typeface="微軟正黑體" pitchFamily="34" charset="-120"/>
+            <a:cs typeface="+mn-cs"/>
+          </a:endParaRPr>
+        </a:p>
+      </dsp:txBody>
+      <dsp:txXfrm>
+        <a:off x="12893" y="442966"/>
+        <a:ext cx="877652" cy="338428"/>
+      </dsp:txXfrm>
+    </dsp:sp>
+    <dsp:sp modelId="{CAFD31B8-AAC1-4CB4-B3C2-07C59C23C986}">
+      <dsp:nvSpPr>
+        <dsp:cNvPr id="0" name=""/>
+        <dsp:cNvSpPr/>
+      </dsp:nvSpPr>
+      <dsp:spPr>
+        <a:xfrm rot="19592554">
+          <a:off x="859353" y="444873"/>
+          <a:ext cx="503574" cy="56985"/>
+        </a:xfrm>
+        <a:custGeom>
+          <a:avLst/>
+          <a:gdLst/>
+          <a:ahLst/>
+          <a:cxnLst/>
+          <a:rect l="0" t="0" r="0" b="0"/>
+          <a:pathLst>
+            <a:path>
+              <a:moveTo>
+                <a:pt x="0" y="10096"/>
+              </a:moveTo>
+              <a:lnTo>
+                <a:pt x="575571" y="10096"/>
+              </a:lnTo>
+            </a:path>
+          </a:pathLst>
+        </a:custGeom>
+        <a:noFill/>
+        <a:ln w="25400" cap="flat" cmpd="sng" algn="ctr">
+          <a:solidFill>
+            <a:srgbClr val="2A5656">
+              <a:shade val="60000"/>
+              <a:hueOff val="0"/>
+              <a:satOff val="0"/>
+              <a:lumOff val="0"/>
+              <a:alphaOff val="0"/>
+            </a:srgbClr>
+          </a:solidFill>
+          <a:prstDash val="solid"/>
+        </a:ln>
+        <a:effectLst/>
+      </dsp:spPr>
+      <dsp:style>
+        <a:lnRef idx="2">
+          <a:scrgbClr r="0" g="0" b="0"/>
+        </a:lnRef>
+        <a:fillRef idx="0">
+          <a:scrgbClr r="0" g="0" b="0"/>
+        </a:fillRef>
+        <a:effectRef idx="0">
+          <a:scrgbClr r="0" g="0" b="0"/>
+        </a:effectRef>
+        <a:fontRef idx="minor"/>
+      </dsp:style>
+      <dsp:txBody>
+        <a:bodyPr spcFirstLastPara="0" vert="horz" wrap="square" lIns="12700" tIns="0" rIns="12700" bIns="0" numCol="1" spcCol="1270" anchor="ctr" anchorCtr="0">
+          <a:noAutofit/>
+        </a:bodyPr>
+        <a:lstStyle/>
+        <a:p>
+          <a:pPr lvl="0" algn="ctr" defTabSz="711200">
+            <a:lnSpc>
+              <a:spcPct val="90000"/>
+            </a:lnSpc>
+            <a:spcBef>
+              <a:spcPct val="0"/>
+            </a:spcBef>
+            <a:spcAft>
+              <a:spcPct val="35000"/>
+            </a:spcAft>
+          </a:pPr>
+          <a:endParaRPr lang="zh-TW" altLang="en-US" sz="1600" b="1" kern="1200">
+            <a:solidFill>
+              <a:srgbClr val="336666">
+                <a:hueOff val="0"/>
+                <a:satOff val="0"/>
+                <a:lumOff val="0"/>
+                <a:alphaOff val="0"/>
+              </a:srgbClr>
+            </a:solidFill>
+            <a:latin typeface="微軟正黑體" pitchFamily="34" charset="-120"/>
+            <a:ea typeface="微軟正黑體" pitchFamily="34" charset="-120"/>
+            <a:cs typeface="+mn-cs"/>
+          </a:endParaRPr>
+        </a:p>
+      </dsp:txBody>
+      <dsp:txXfrm>
+        <a:off x="1093697" y="469804"/>
+        <a:ext cx="0" cy="0"/>
+      </dsp:txXfrm>
+    </dsp:sp>
+    <dsp:sp modelId="{2791497F-B5AC-400E-B1A3-8458F10CAD7A}">
+      <dsp:nvSpPr>
+        <dsp:cNvPr id="0" name=""/>
+        <dsp:cNvSpPr/>
+      </dsp:nvSpPr>
+      <dsp:spPr>
+        <a:xfrm>
+          <a:off x="1321205" y="144686"/>
+          <a:ext cx="1329064" cy="379730"/>
+        </a:xfrm>
+        <a:prstGeom prst="roundRect">
+          <a:avLst>
+            <a:gd name="adj" fmla="val 10000"/>
+          </a:avLst>
+        </a:prstGeom>
+        <a:solidFill>
+          <a:srgbClr val="2A5656">
+            <a:hueOff val="0"/>
+            <a:satOff val="0"/>
+            <a:lumOff val="0"/>
+            <a:alphaOff val="0"/>
+          </a:srgbClr>
+        </a:solidFill>
+        <a:ln w="25400" cap="flat" cmpd="sng" algn="ctr">
+          <a:solidFill>
+            <a:srgbClr val="FFFFFF">
+              <a:hueOff val="0"/>
+              <a:satOff val="0"/>
+              <a:lumOff val="0"/>
+              <a:alphaOff val="0"/>
+            </a:srgbClr>
+          </a:solidFill>
+          <a:prstDash val="solid"/>
+        </a:ln>
+        <a:effectLst/>
+      </dsp:spPr>
+      <dsp:style>
+        <a:lnRef idx="2">
+          <a:scrgbClr r="0" g="0" b="0"/>
+        </a:lnRef>
+        <a:fillRef idx="1">
+          <a:scrgbClr r="0" g="0" b="0"/>
+        </a:fillRef>
+        <a:effectRef idx="0">
+          <a:scrgbClr r="0" g="0" b="0"/>
+        </a:effectRef>
+        <a:fontRef idx="minor">
+          <a:schemeClr val="lt1"/>
+        </a:fontRef>
+      </dsp:style>
+      <dsp:txBody>
+        <a:bodyPr spcFirstLastPara="0" vert="horz" wrap="square" lIns="10160" tIns="10160" rIns="10160" bIns="10160" numCol="1" spcCol="1270" anchor="ctr" anchorCtr="0">
+          <a:noAutofit/>
+        </a:bodyPr>
+        <a:lstStyle/>
+        <a:p>
+          <a:pPr lvl="0" algn="ctr" defTabSz="711200">
+            <a:lnSpc>
+              <a:spcPct val="90000"/>
+            </a:lnSpc>
+            <a:spcBef>
+              <a:spcPct val="0"/>
+            </a:spcBef>
+            <a:spcAft>
+              <a:spcPct val="35000"/>
+            </a:spcAft>
+          </a:pPr>
+          <a:r>
+            <a:rPr lang="zh-TW" altLang="en-US" sz="1600" b="1" kern="1200" dirty="0" smtClean="0">
+              <a:solidFill>
+                <a:srgbClr val="FFFFFF"/>
+              </a:solidFill>
+              <a:latin typeface="微軟正黑體" pitchFamily="34" charset="-120"/>
+              <a:ea typeface="微軟正黑體" pitchFamily="34" charset="-120"/>
+              <a:cs typeface="+mn-cs"/>
+            </a:rPr>
+            <a:t>勝平敗場次</a:t>
+          </a:r>
+          <a:endParaRPr lang="zh-TW" altLang="en-US" sz="1600" b="1" kern="1200" dirty="0">
+            <a:solidFill>
+              <a:srgbClr val="FFFFFF"/>
+            </a:solidFill>
+            <a:latin typeface="微軟正黑體" pitchFamily="34" charset="-120"/>
+            <a:ea typeface="微軟正黑體" pitchFamily="34" charset="-120"/>
+            <a:cs typeface="+mn-cs"/>
+          </a:endParaRPr>
+        </a:p>
+      </dsp:txBody>
+      <dsp:txXfrm>
+        <a:off x="1332327" y="155808"/>
+        <a:ext cx="1306820" cy="357486"/>
+      </dsp:txXfrm>
+    </dsp:sp>
+    <dsp:sp modelId="{4B5A1C6E-CFB3-437F-8A18-215D669277D0}">
+      <dsp:nvSpPr>
+        <dsp:cNvPr id="0" name=""/>
+        <dsp:cNvSpPr/>
+      </dsp:nvSpPr>
+      <dsp:spPr>
+        <a:xfrm rot="1709670">
+          <a:off x="872167" y="697535"/>
+          <a:ext cx="477274" cy="56985"/>
+        </a:xfrm>
+        <a:custGeom>
+          <a:avLst/>
+          <a:gdLst/>
+          <a:ahLst/>
+          <a:cxnLst/>
+          <a:rect l="0" t="0" r="0" b="0"/>
+          <a:pathLst>
+            <a:path>
+              <a:moveTo>
+                <a:pt x="0" y="10096"/>
+              </a:moveTo>
+              <a:lnTo>
+                <a:pt x="446688" y="10096"/>
+              </a:lnTo>
+            </a:path>
+          </a:pathLst>
+        </a:custGeom>
+        <a:noFill/>
+        <a:ln w="25400" cap="flat" cmpd="sng" algn="ctr">
+          <a:solidFill>
+            <a:srgbClr val="2A5656">
+              <a:shade val="60000"/>
+              <a:hueOff val="0"/>
+              <a:satOff val="0"/>
+              <a:lumOff val="0"/>
+              <a:alphaOff val="0"/>
+            </a:srgbClr>
+          </a:solidFill>
+          <a:prstDash val="solid"/>
+        </a:ln>
+        <a:effectLst/>
+      </dsp:spPr>
+      <dsp:style>
+        <a:lnRef idx="2">
+          <a:scrgbClr r="0" g="0" b="0"/>
+        </a:lnRef>
+        <a:fillRef idx="0">
+          <a:scrgbClr r="0" g="0" b="0"/>
+        </a:fillRef>
+        <a:effectRef idx="0">
+          <a:scrgbClr r="0" g="0" b="0"/>
+        </a:effectRef>
+        <a:fontRef idx="minor"/>
+      </dsp:style>
+      <dsp:txBody>
+        <a:bodyPr spcFirstLastPara="0" vert="horz" wrap="square" lIns="12700" tIns="0" rIns="12700" bIns="0" numCol="1" spcCol="1270" anchor="ctr" anchorCtr="0">
+          <a:noAutofit/>
+        </a:bodyPr>
+        <a:lstStyle/>
+        <a:p>
+          <a:pPr lvl="0" algn="ctr" defTabSz="711200">
+            <a:lnSpc>
+              <a:spcPct val="90000"/>
+            </a:lnSpc>
+            <a:spcBef>
+              <a:spcPct val="0"/>
+            </a:spcBef>
+            <a:spcAft>
+              <a:spcPct val="35000"/>
+            </a:spcAft>
+          </a:pPr>
+          <a:endParaRPr lang="zh-TW" altLang="en-US" sz="1600" b="1" kern="1200">
+            <a:solidFill>
+              <a:srgbClr val="336666">
+                <a:hueOff val="0"/>
+                <a:satOff val="0"/>
+                <a:lumOff val="0"/>
+                <a:alphaOff val="0"/>
+              </a:srgbClr>
+            </a:solidFill>
+            <a:latin typeface="微軟正黑體" pitchFamily="34" charset="-120"/>
+            <a:ea typeface="微軟正黑體" pitchFamily="34" charset="-120"/>
+            <a:cs typeface="+mn-cs"/>
+          </a:endParaRPr>
+        </a:p>
+      </dsp:txBody>
+      <dsp:txXfrm>
+        <a:off x="1106011" y="709849"/>
+        <a:ext cx="0" cy="0"/>
+      </dsp:txXfrm>
+    </dsp:sp>
+    <dsp:sp modelId="{EB7D6973-D35C-442D-B10C-FD559A7DAC7D}">
+      <dsp:nvSpPr>
+        <dsp:cNvPr id="0" name=""/>
+        <dsp:cNvSpPr/>
+      </dsp:nvSpPr>
+      <dsp:spPr>
+        <a:xfrm>
+          <a:off x="1320534" y="648246"/>
+          <a:ext cx="1341396" cy="383259"/>
+        </a:xfrm>
+        <a:prstGeom prst="roundRect">
+          <a:avLst>
+            <a:gd name="adj" fmla="val 10000"/>
+          </a:avLst>
+        </a:prstGeom>
+        <a:solidFill>
+          <a:srgbClr val="2A5656">
+            <a:hueOff val="0"/>
+            <a:satOff val="0"/>
+            <a:lumOff val="0"/>
+            <a:alphaOff val="0"/>
+          </a:srgbClr>
+        </a:solidFill>
+        <a:ln w="25400" cap="flat" cmpd="sng" algn="ctr">
+          <a:solidFill>
+            <a:srgbClr val="FFFFFF">
+              <a:hueOff val="0"/>
+              <a:satOff val="0"/>
+              <a:lumOff val="0"/>
+              <a:alphaOff val="0"/>
+            </a:srgbClr>
+          </a:solidFill>
+          <a:prstDash val="solid"/>
+        </a:ln>
+        <a:effectLst/>
+      </dsp:spPr>
+      <dsp:style>
+        <a:lnRef idx="2">
+          <a:scrgbClr r="0" g="0" b="0"/>
+        </a:lnRef>
+        <a:fillRef idx="1">
+          <a:scrgbClr r="0" g="0" b="0"/>
+        </a:fillRef>
+        <a:effectRef idx="0">
+          <a:scrgbClr r="0" g="0" b="0"/>
+        </a:effectRef>
+        <a:fontRef idx="minor">
+          <a:schemeClr val="lt1"/>
+        </a:fontRef>
+      </dsp:style>
+      <dsp:txBody>
+        <a:bodyPr spcFirstLastPara="0" vert="horz" wrap="square" lIns="10160" tIns="10160" rIns="10160" bIns="10160" numCol="1" spcCol="1270" anchor="ctr" anchorCtr="0">
+          <a:noAutofit/>
+        </a:bodyPr>
+        <a:lstStyle/>
+        <a:p>
+          <a:pPr lvl="0" algn="ctr" defTabSz="711200">
+            <a:lnSpc>
+              <a:spcPct val="90000"/>
+            </a:lnSpc>
+            <a:spcBef>
+              <a:spcPct val="0"/>
+            </a:spcBef>
+            <a:spcAft>
+              <a:spcPct val="35000"/>
+            </a:spcAft>
+          </a:pPr>
+          <a:r>
+            <a:rPr lang="zh-TW" altLang="en-US" sz="1600" b="1" kern="1200" dirty="0" smtClean="0">
+              <a:solidFill>
+                <a:srgbClr val="FFFFFF"/>
+              </a:solidFill>
+              <a:latin typeface="微軟正黑體" pitchFamily="34" charset="-120"/>
+              <a:ea typeface="微軟正黑體" pitchFamily="34" charset="-120"/>
+              <a:cs typeface="+mn-cs"/>
+            </a:rPr>
+            <a:t>對戰歷史</a:t>
           </a:r>
           <a:endParaRPr lang="zh-TW" altLang="en-US" sz="1600" b="1" kern="1200" dirty="0">
             <a:solidFill>
@@ -11047,6 +12796,326 @@
 </dgm:layoutDef>
 </file>
 
+<file path=ppt/diagrams/layout5.xml><?xml version="1.0" encoding="utf-8"?>
+<dgm:layoutDef xmlns:dgm="http://schemas.openxmlformats.org/drawingml/2006/diagram" xmlns:a="http://schemas.openxmlformats.org/drawingml/2006/main" uniqueId="urn:microsoft.com/office/officeart/2005/8/layout/hierarchy2">
+  <dgm:title val=""/>
+  <dgm:desc val=""/>
+  <dgm:catLst>
+    <dgm:cat type="hierarchy" pri="5000"/>
+  </dgm:catLst>
+  <dgm:sampData>
+    <dgm:dataModel>
+      <dgm:ptLst>
+        <dgm:pt modelId="0" type="doc"/>
+        <dgm:pt modelId="1">
+          <dgm:prSet phldr="1"/>
+        </dgm:pt>
+        <dgm:pt modelId="2">
+          <dgm:prSet phldr="1"/>
+        </dgm:pt>
+        <dgm:pt modelId="21">
+          <dgm:prSet phldr="1"/>
+        </dgm:pt>
+        <dgm:pt modelId="22">
+          <dgm:prSet phldr="1"/>
+        </dgm:pt>
+        <dgm:pt modelId="3">
+          <dgm:prSet phldr="1"/>
+        </dgm:pt>
+        <dgm:pt modelId="31">
+          <dgm:prSet phldr="1"/>
+        </dgm:pt>
+      </dgm:ptLst>
+      <dgm:cxnLst>
+        <dgm:cxn modelId="4" srcId="0" destId="1" srcOrd="0" destOrd="0"/>
+        <dgm:cxn modelId="5" srcId="1" destId="2" srcOrd="0" destOrd="0"/>
+        <dgm:cxn modelId="6" srcId="1" destId="3" srcOrd="1" destOrd="0"/>
+        <dgm:cxn modelId="23" srcId="2" destId="21" srcOrd="0" destOrd="0"/>
+        <dgm:cxn modelId="24" srcId="2" destId="22" srcOrd="1" destOrd="0"/>
+        <dgm:cxn modelId="33" srcId="3" destId="31" srcOrd="0" destOrd="0"/>
+      </dgm:cxnLst>
+      <dgm:bg/>
+      <dgm:whole/>
+    </dgm:dataModel>
+  </dgm:sampData>
+  <dgm:styleData>
+    <dgm:dataModel>
+      <dgm:ptLst>
+        <dgm:pt modelId="0" type="doc"/>
+        <dgm:pt modelId="1"/>
+        <dgm:pt modelId="11"/>
+        <dgm:pt modelId="12"/>
+      </dgm:ptLst>
+      <dgm:cxnLst>
+        <dgm:cxn modelId="2" srcId="0" destId="1" srcOrd="0" destOrd="0"/>
+        <dgm:cxn modelId="13" srcId="1" destId="11" srcOrd="0" destOrd="0"/>
+        <dgm:cxn modelId="14" srcId="1" destId="12" srcOrd="1" destOrd="0"/>
+      </dgm:cxnLst>
+      <dgm:bg/>
+      <dgm:whole/>
+    </dgm:dataModel>
+  </dgm:styleData>
+  <dgm:clrData>
+    <dgm:dataModel>
+      <dgm:ptLst>
+        <dgm:pt modelId="0" type="doc"/>
+        <dgm:pt modelId="1"/>
+        <dgm:pt modelId="2"/>
+        <dgm:pt modelId="21"/>
+        <dgm:pt modelId="211"/>
+        <dgm:pt modelId="3"/>
+        <dgm:pt modelId="31"/>
+        <dgm:pt modelId="311"/>
+      </dgm:ptLst>
+      <dgm:cxnLst>
+        <dgm:cxn modelId="4" srcId="0" destId="1" srcOrd="0" destOrd="0"/>
+        <dgm:cxn modelId="5" srcId="1" destId="2" srcOrd="0" destOrd="0"/>
+        <dgm:cxn modelId="6" srcId="1" destId="3" srcOrd="1" destOrd="0"/>
+        <dgm:cxn modelId="23" srcId="2" destId="21" srcOrd="0" destOrd="0"/>
+        <dgm:cxn modelId="24" srcId="21" destId="211" srcOrd="0" destOrd="0"/>
+        <dgm:cxn modelId="33" srcId="3" destId="31" srcOrd="0" destOrd="0"/>
+        <dgm:cxn modelId="34" srcId="31" destId="311" srcOrd="0" destOrd="0"/>
+      </dgm:cxnLst>
+      <dgm:bg/>
+      <dgm:whole/>
+    </dgm:dataModel>
+  </dgm:clrData>
+  <dgm:layoutNode name="diagram">
+    <dgm:varLst>
+      <dgm:chPref val="1"/>
+      <dgm:dir/>
+      <dgm:animOne val="branch"/>
+      <dgm:animLvl val="lvl"/>
+      <dgm:resizeHandles val="exact"/>
+    </dgm:varLst>
+    <dgm:choose name="Name0">
+      <dgm:if name="Name1" func="var" arg="dir" op="equ" val="norm">
+        <dgm:alg type="hierChild">
+          <dgm:param type="linDir" val="fromT"/>
+          <dgm:param type="chAlign" val="l"/>
+        </dgm:alg>
+      </dgm:if>
+      <dgm:else name="Name2">
+        <dgm:alg type="hierChild">
+          <dgm:param type="linDir" val="fromT"/>
+          <dgm:param type="chAlign" val="r"/>
+        </dgm:alg>
+      </dgm:else>
+    </dgm:choose>
+    <dgm:shape xmlns:r="http://schemas.openxmlformats.org/officeDocument/2006/relationships" r:blip="">
+      <dgm:adjLst/>
+    </dgm:shape>
+    <dgm:presOf/>
+    <dgm:constrLst>
+      <dgm:constr type="h" for="des" ptType="node" refType="h"/>
+      <dgm:constr type="w" for="des" ptType="node" refType="h" refFor="des" refPtType="node" fact="2"/>
+      <dgm:constr type="sibSp" refType="h" refFor="des" refPtType="node" op="equ" fact="0.15"/>
+      <dgm:constr type="sibSp" for="des" forName="level2hierChild" refType="h" refFor="des" refPtType="node" op="equ" fact="0.15"/>
+      <dgm:constr type="sibSp" for="des" forName="level3hierChild" refType="h" refFor="des" refPtType="node" op="equ" fact="0.15"/>
+      <dgm:constr type="sp" for="des" forName="root1" refType="w" refFor="des" refPtType="node" fact="0.4"/>
+      <dgm:constr type="sp" for="des" forName="root2" refType="sp" refFor="des" refForName="root1" op="equ"/>
+      <dgm:constr type="primFontSz" for="des" ptType="node" op="equ" val="65"/>
+      <dgm:constr type="primFontSz" for="des" forName="connTx" op="equ" val="55"/>
+      <dgm:constr type="primFontSz" for="des" forName="connTx" refType="primFontSz" refFor="des" refPtType="node" op="lte" fact="0.8"/>
+    </dgm:constrLst>
+    <dgm:ruleLst/>
+    <dgm:forEach name="Name3" axis="ch">
+      <dgm:forEach name="Name4" axis="self" ptType="node">
+        <dgm:layoutNode name="root1">
+          <dgm:choose name="Name5">
+            <dgm:if name="Name6" func="var" arg="dir" op="equ" val="norm">
+              <dgm:alg type="hierRoot">
+                <dgm:param type="hierAlign" val="lCtrCh"/>
+              </dgm:alg>
+            </dgm:if>
+            <dgm:else name="Name7">
+              <dgm:alg type="hierRoot">
+                <dgm:param type="hierAlign" val="rCtrCh"/>
+              </dgm:alg>
+            </dgm:else>
+          </dgm:choose>
+          <dgm:shape xmlns:r="http://schemas.openxmlformats.org/officeDocument/2006/relationships" r:blip="">
+            <dgm:adjLst/>
+          </dgm:shape>
+          <dgm:presOf/>
+          <dgm:constrLst/>
+          <dgm:ruleLst/>
+          <dgm:layoutNode name="LevelOneTextNode" styleLbl="node0">
+            <dgm:varLst>
+              <dgm:chPref val="3"/>
+            </dgm:varLst>
+            <dgm:alg type="tx"/>
+            <dgm:shape xmlns:r="http://schemas.openxmlformats.org/officeDocument/2006/relationships" type="roundRect" r:blip="">
+              <dgm:adjLst>
+                <dgm:adj idx="1" val="0.1"/>
+              </dgm:adjLst>
+            </dgm:shape>
+            <dgm:presOf axis="self"/>
+            <dgm:constrLst>
+              <dgm:constr type="tMarg" refType="primFontSz" fact="0.05"/>
+              <dgm:constr type="bMarg" refType="primFontSz" fact="0.05"/>
+              <dgm:constr type="lMarg" refType="primFontSz" fact="0.05"/>
+              <dgm:constr type="rMarg" refType="primFontSz" fact="0.05"/>
+            </dgm:constrLst>
+            <dgm:ruleLst>
+              <dgm:rule type="primFontSz" val="5" fact="NaN" max="NaN"/>
+            </dgm:ruleLst>
+          </dgm:layoutNode>
+          <dgm:layoutNode name="level2hierChild">
+            <dgm:choose name="Name8">
+              <dgm:if name="Name9" func="var" arg="dir" op="equ" val="norm">
+                <dgm:alg type="hierChild">
+                  <dgm:param type="linDir" val="fromT"/>
+                  <dgm:param type="chAlign" val="l"/>
+                </dgm:alg>
+              </dgm:if>
+              <dgm:else name="Name10">
+                <dgm:alg type="hierChild">
+                  <dgm:param type="linDir" val="fromT"/>
+                  <dgm:param type="chAlign" val="r"/>
+                </dgm:alg>
+              </dgm:else>
+            </dgm:choose>
+            <dgm:shape xmlns:r="http://schemas.openxmlformats.org/officeDocument/2006/relationships" r:blip="">
+              <dgm:adjLst/>
+            </dgm:shape>
+            <dgm:presOf/>
+            <dgm:constrLst/>
+            <dgm:ruleLst/>
+            <dgm:forEach name="repeat" axis="ch">
+              <dgm:forEach name="Name11" axis="self" ptType="parTrans" cnt="1">
+                <dgm:layoutNode name="conn2-1">
+                  <dgm:choose name="Name12">
+                    <dgm:if name="Name13" func="var" arg="dir" op="equ" val="norm">
+                      <dgm:alg type="conn">
+                        <dgm:param type="dim" val="1D"/>
+                        <dgm:param type="begPts" val="midR"/>
+                        <dgm:param type="endPts" val="midL"/>
+                        <dgm:param type="endSty" val="noArr"/>
+                      </dgm:alg>
+                    </dgm:if>
+                    <dgm:else name="Name14">
+                      <dgm:alg type="conn">
+                        <dgm:param type="dim" val="1D"/>
+                        <dgm:param type="begPts" val="midL"/>
+                        <dgm:param type="endPts" val="midR"/>
+                        <dgm:param type="endSty" val="noArr"/>
+                      </dgm:alg>
+                    </dgm:else>
+                  </dgm:choose>
+                  <dgm:shape xmlns:r="http://schemas.openxmlformats.org/officeDocument/2006/relationships" type="conn" r:blip="">
+                    <dgm:adjLst/>
+                  </dgm:shape>
+                  <dgm:presOf axis="self"/>
+                  <dgm:constrLst>
+                    <dgm:constr type="w" val="1"/>
+                    <dgm:constr type="h" val="5"/>
+                    <dgm:constr type="connDist"/>
+                    <dgm:constr type="begPad"/>
+                    <dgm:constr type="endPad"/>
+                    <dgm:constr type="userA" for="ch" refType="connDist"/>
+                  </dgm:constrLst>
+                  <dgm:ruleLst/>
+                  <dgm:layoutNode name="connTx">
+                    <dgm:alg type="tx">
+                      <dgm:param type="autoTxRot" val="grav"/>
+                    </dgm:alg>
+                    <dgm:shape xmlns:r="http://schemas.openxmlformats.org/officeDocument/2006/relationships" type="rect" r:blip="" hideGeom="1">
+                      <dgm:adjLst/>
+                    </dgm:shape>
+                    <dgm:presOf axis="self"/>
+                    <dgm:constrLst>
+                      <dgm:constr type="userA"/>
+                      <dgm:constr type="w" refType="userA" fact="0.05"/>
+                      <dgm:constr type="h" refType="userA" fact="0.05"/>
+                      <dgm:constr type="lMarg" val="1"/>
+                      <dgm:constr type="rMarg" val="1"/>
+                      <dgm:constr type="tMarg"/>
+                      <dgm:constr type="bMarg"/>
+                    </dgm:constrLst>
+                    <dgm:ruleLst>
+                      <dgm:rule type="h" val="NaN" fact="0.25" max="NaN"/>
+                      <dgm:rule type="w" val="NaN" fact="0.8" max="NaN"/>
+                      <dgm:rule type="primFontSz" val="5" fact="NaN" max="NaN"/>
+                    </dgm:ruleLst>
+                  </dgm:layoutNode>
+                </dgm:layoutNode>
+              </dgm:forEach>
+              <dgm:forEach name="Name15" axis="self" ptType="node">
+                <dgm:layoutNode name="root2">
+                  <dgm:choose name="Name16">
+                    <dgm:if name="Name17" func="var" arg="dir" op="equ" val="norm">
+                      <dgm:alg type="hierRoot">
+                        <dgm:param type="hierAlign" val="lCtrCh"/>
+                      </dgm:alg>
+                    </dgm:if>
+                    <dgm:else name="Name18">
+                      <dgm:alg type="hierRoot">
+                        <dgm:param type="hierAlign" val="rCtrCh"/>
+                      </dgm:alg>
+                    </dgm:else>
+                  </dgm:choose>
+                  <dgm:shape xmlns:r="http://schemas.openxmlformats.org/officeDocument/2006/relationships" r:blip="">
+                    <dgm:adjLst/>
+                  </dgm:shape>
+                  <dgm:presOf/>
+                  <dgm:constrLst/>
+                  <dgm:ruleLst/>
+                  <dgm:layoutNode name="LevelTwoTextNode">
+                    <dgm:varLst>
+                      <dgm:chPref val="3"/>
+                    </dgm:varLst>
+                    <dgm:alg type="tx"/>
+                    <dgm:shape xmlns:r="http://schemas.openxmlformats.org/officeDocument/2006/relationships" type="roundRect" r:blip="">
+                      <dgm:adjLst>
+                        <dgm:adj idx="1" val="0.1"/>
+                      </dgm:adjLst>
+                    </dgm:shape>
+                    <dgm:presOf axis="self"/>
+                    <dgm:constrLst>
+                      <dgm:constr type="tMarg" refType="primFontSz" fact="0.05"/>
+                      <dgm:constr type="bMarg" refType="primFontSz" fact="0.05"/>
+                      <dgm:constr type="lMarg" refType="primFontSz" fact="0.05"/>
+                      <dgm:constr type="rMarg" refType="primFontSz" fact="0.05"/>
+                    </dgm:constrLst>
+                    <dgm:ruleLst>
+                      <dgm:rule type="primFontSz" val="5" fact="NaN" max="NaN"/>
+                    </dgm:ruleLst>
+                  </dgm:layoutNode>
+                  <dgm:layoutNode name="level3hierChild">
+                    <dgm:choose name="Name19">
+                      <dgm:if name="Name20" func="var" arg="dir" op="equ" val="norm">
+                        <dgm:alg type="hierChild">
+                          <dgm:param type="linDir" val="fromT"/>
+                          <dgm:param type="chAlign" val="l"/>
+                        </dgm:alg>
+                      </dgm:if>
+                      <dgm:else name="Name21">
+                        <dgm:alg type="hierChild">
+                          <dgm:param type="linDir" val="fromT"/>
+                          <dgm:param type="chAlign" val="r"/>
+                        </dgm:alg>
+                      </dgm:else>
+                    </dgm:choose>
+                    <dgm:shape xmlns:r="http://schemas.openxmlformats.org/officeDocument/2006/relationships" r:blip="">
+                      <dgm:adjLst/>
+                    </dgm:shape>
+                    <dgm:presOf/>
+                    <dgm:constrLst/>
+                    <dgm:ruleLst/>
+                    <dgm:forEach name="Name22" ref="repeat"/>
+                  </dgm:layoutNode>
+                </dgm:layoutNode>
+              </dgm:forEach>
+            </dgm:forEach>
+          </dgm:layoutNode>
+        </dgm:layoutNode>
+      </dgm:forEach>
+    </dgm:forEach>
+  </dgm:layoutNode>
+</dgm:layoutDef>
+</file>
+
 <file path=ppt/diagrams/quickStyle1.xml><?xml version="1.0" encoding="utf-8"?>
 <dgm:styleDef xmlns:dgm="http://schemas.openxmlformats.org/drawingml/2006/diagram" xmlns:a="http://schemas.openxmlformats.org/drawingml/2006/main" uniqueId="urn:microsoft.com/office/officeart/2005/8/quickstyle/simple1">
   <dgm:title val=""/>
@@ -14150,6 +16219,1040 @@
 </file>
 
 <file path=ppt/diagrams/quickStyle4.xml><?xml version="1.0" encoding="utf-8"?>
+<dgm:styleDef xmlns:dgm="http://schemas.openxmlformats.org/drawingml/2006/diagram" xmlns:a="http://schemas.openxmlformats.org/drawingml/2006/main" uniqueId="urn:microsoft.com/office/officeart/2005/8/quickstyle/simple1">
+  <dgm:title val=""/>
+  <dgm:desc val=""/>
+  <dgm:catLst>
+    <dgm:cat type="simple" pri="10100"/>
+  </dgm:catLst>
+  <dgm:scene3d>
+    <a:camera prst="orthographicFront"/>
+    <a:lightRig rig="threePt" dir="t"/>
+  </dgm:scene3d>
+  <dgm:styleLbl name="node0">
+    <dgm:scene3d>
+      <a:camera prst="orthographicFront"/>
+      <a:lightRig rig="threePt" dir="t"/>
+    </dgm:scene3d>
+    <dgm:sp3d/>
+    <dgm:txPr/>
+    <dgm:style>
+      <a:lnRef idx="2">
+        <a:scrgbClr r="0" g="0" b="0"/>
+      </a:lnRef>
+      <a:fillRef idx="1">
+        <a:scrgbClr r="0" g="0" b="0"/>
+      </a:fillRef>
+      <a:effectRef idx="0">
+        <a:scrgbClr r="0" g="0" b="0"/>
+      </a:effectRef>
+      <a:fontRef idx="minor">
+        <a:schemeClr val="lt1"/>
+      </a:fontRef>
+    </dgm:style>
+  </dgm:styleLbl>
+  <dgm:styleLbl name="lnNode1">
+    <dgm:scene3d>
+      <a:camera prst="orthographicFront"/>
+      <a:lightRig rig="threePt" dir="t"/>
+    </dgm:scene3d>
+    <dgm:sp3d/>
+    <dgm:txPr/>
+    <dgm:style>
+      <a:lnRef idx="2">
+        <a:scrgbClr r="0" g="0" b="0"/>
+      </a:lnRef>
+      <a:fillRef idx="1">
+        <a:scrgbClr r="0" g="0" b="0"/>
+      </a:fillRef>
+      <a:effectRef idx="0">
+        <a:scrgbClr r="0" g="0" b="0"/>
+      </a:effectRef>
+      <a:fontRef idx="minor">
+        <a:schemeClr val="lt1"/>
+      </a:fontRef>
+    </dgm:style>
+  </dgm:styleLbl>
+  <dgm:styleLbl name="vennNode1">
+    <dgm:scene3d>
+      <a:camera prst="orthographicFront"/>
+      <a:lightRig rig="threePt" dir="t"/>
+    </dgm:scene3d>
+    <dgm:sp3d/>
+    <dgm:txPr/>
+    <dgm:style>
+      <a:lnRef idx="2">
+        <a:scrgbClr r="0" g="0" b="0"/>
+      </a:lnRef>
+      <a:fillRef idx="1">
+        <a:scrgbClr r="0" g="0" b="0"/>
+      </a:fillRef>
+      <a:effectRef idx="0">
+        <a:scrgbClr r="0" g="0" b="0"/>
+      </a:effectRef>
+      <a:fontRef idx="minor">
+        <a:schemeClr val="tx1"/>
+      </a:fontRef>
+    </dgm:style>
+  </dgm:styleLbl>
+  <dgm:styleLbl name="alignNode1">
+    <dgm:scene3d>
+      <a:camera prst="orthographicFront"/>
+      <a:lightRig rig="threePt" dir="t"/>
+    </dgm:scene3d>
+    <dgm:sp3d/>
+    <dgm:txPr/>
+    <dgm:style>
+      <a:lnRef idx="2">
+        <a:scrgbClr r="0" g="0" b="0"/>
+      </a:lnRef>
+      <a:fillRef idx="1">
+        <a:scrgbClr r="0" g="0" b="0"/>
+      </a:fillRef>
+      <a:effectRef idx="0">
+        <a:scrgbClr r="0" g="0" b="0"/>
+      </a:effectRef>
+      <a:fontRef idx="minor">
+        <a:schemeClr val="lt1"/>
+      </a:fontRef>
+    </dgm:style>
+  </dgm:styleLbl>
+  <dgm:styleLbl name="node1">
+    <dgm:scene3d>
+      <a:camera prst="orthographicFront"/>
+      <a:lightRig rig="threePt" dir="t"/>
+    </dgm:scene3d>
+    <dgm:sp3d/>
+    <dgm:txPr/>
+    <dgm:style>
+      <a:lnRef idx="2">
+        <a:scrgbClr r="0" g="0" b="0"/>
+      </a:lnRef>
+      <a:fillRef idx="1">
+        <a:scrgbClr r="0" g="0" b="0"/>
+      </a:fillRef>
+      <a:effectRef idx="0">
+        <a:scrgbClr r="0" g="0" b="0"/>
+      </a:effectRef>
+      <a:fontRef idx="minor">
+        <a:schemeClr val="lt1"/>
+      </a:fontRef>
+    </dgm:style>
+  </dgm:styleLbl>
+  <dgm:styleLbl name="node2">
+    <dgm:scene3d>
+      <a:camera prst="orthographicFront"/>
+      <a:lightRig rig="threePt" dir="t"/>
+    </dgm:scene3d>
+    <dgm:sp3d/>
+    <dgm:txPr/>
+    <dgm:style>
+      <a:lnRef idx="2">
+        <a:scrgbClr r="0" g="0" b="0"/>
+      </a:lnRef>
+      <a:fillRef idx="1">
+        <a:scrgbClr r="0" g="0" b="0"/>
+      </a:fillRef>
+      <a:effectRef idx="0">
+        <a:scrgbClr r="0" g="0" b="0"/>
+      </a:effectRef>
+      <a:fontRef idx="minor">
+        <a:schemeClr val="lt1"/>
+      </a:fontRef>
+    </dgm:style>
+  </dgm:styleLbl>
+  <dgm:styleLbl name="node3">
+    <dgm:scene3d>
+      <a:camera prst="orthographicFront"/>
+      <a:lightRig rig="threePt" dir="t"/>
+    </dgm:scene3d>
+    <dgm:sp3d/>
+    <dgm:txPr/>
+    <dgm:style>
+      <a:lnRef idx="2">
+        <a:scrgbClr r="0" g="0" b="0"/>
+      </a:lnRef>
+      <a:fillRef idx="1">
+        <a:scrgbClr r="0" g="0" b="0"/>
+      </a:fillRef>
+      <a:effectRef idx="0">
+        <a:scrgbClr r="0" g="0" b="0"/>
+      </a:effectRef>
+      <a:fontRef idx="minor">
+        <a:schemeClr val="lt1"/>
+      </a:fontRef>
+    </dgm:style>
+  </dgm:styleLbl>
+  <dgm:styleLbl name="node4">
+    <dgm:scene3d>
+      <a:camera prst="orthographicFront"/>
+      <a:lightRig rig="threePt" dir="t"/>
+    </dgm:scene3d>
+    <dgm:sp3d/>
+    <dgm:txPr/>
+    <dgm:style>
+      <a:lnRef idx="2">
+        <a:scrgbClr r="0" g="0" b="0"/>
+      </a:lnRef>
+      <a:fillRef idx="1">
+        <a:scrgbClr r="0" g="0" b="0"/>
+      </a:fillRef>
+      <a:effectRef idx="0">
+        <a:scrgbClr r="0" g="0" b="0"/>
+      </a:effectRef>
+      <a:fontRef idx="minor">
+        <a:schemeClr val="lt1"/>
+      </a:fontRef>
+    </dgm:style>
+  </dgm:styleLbl>
+  <dgm:styleLbl name="fgImgPlace1">
+    <dgm:scene3d>
+      <a:camera prst="orthographicFront"/>
+      <a:lightRig rig="threePt" dir="t"/>
+    </dgm:scene3d>
+    <dgm:sp3d/>
+    <dgm:txPr/>
+    <dgm:style>
+      <a:lnRef idx="2">
+        <a:scrgbClr r="0" g="0" b="0"/>
+      </a:lnRef>
+      <a:fillRef idx="1">
+        <a:scrgbClr r="0" g="0" b="0"/>
+      </a:fillRef>
+      <a:effectRef idx="0">
+        <a:scrgbClr r="0" g="0" b="0"/>
+      </a:effectRef>
+      <a:fontRef idx="minor"/>
+    </dgm:style>
+  </dgm:styleLbl>
+  <dgm:styleLbl name="alignImgPlace1">
+    <dgm:scene3d>
+      <a:camera prst="orthographicFront"/>
+      <a:lightRig rig="threePt" dir="t"/>
+    </dgm:scene3d>
+    <dgm:sp3d/>
+    <dgm:txPr/>
+    <dgm:style>
+      <a:lnRef idx="2">
+        <a:scrgbClr r="0" g="0" b="0"/>
+      </a:lnRef>
+      <a:fillRef idx="1">
+        <a:scrgbClr r="0" g="0" b="0"/>
+      </a:fillRef>
+      <a:effectRef idx="0">
+        <a:scrgbClr r="0" g="0" b="0"/>
+      </a:effectRef>
+      <a:fontRef idx="minor"/>
+    </dgm:style>
+  </dgm:styleLbl>
+  <dgm:styleLbl name="bgImgPlace1">
+    <dgm:scene3d>
+      <a:camera prst="orthographicFront"/>
+      <a:lightRig rig="threePt" dir="t"/>
+    </dgm:scene3d>
+    <dgm:sp3d/>
+    <dgm:txPr/>
+    <dgm:style>
+      <a:lnRef idx="2">
+        <a:scrgbClr r="0" g="0" b="0"/>
+      </a:lnRef>
+      <a:fillRef idx="1">
+        <a:scrgbClr r="0" g="0" b="0"/>
+      </a:fillRef>
+      <a:effectRef idx="0">
+        <a:scrgbClr r="0" g="0" b="0"/>
+      </a:effectRef>
+      <a:fontRef idx="minor"/>
+    </dgm:style>
+  </dgm:styleLbl>
+  <dgm:styleLbl name="sibTrans2D1">
+    <dgm:scene3d>
+      <a:camera prst="orthographicFront"/>
+      <a:lightRig rig="threePt" dir="t"/>
+    </dgm:scene3d>
+    <dgm:sp3d/>
+    <dgm:txPr/>
+    <dgm:style>
+      <a:lnRef idx="0">
+        <a:scrgbClr r="0" g="0" b="0"/>
+      </a:lnRef>
+      <a:fillRef idx="1">
+        <a:scrgbClr r="0" g="0" b="0"/>
+      </a:fillRef>
+      <a:effectRef idx="0">
+        <a:scrgbClr r="0" g="0" b="0"/>
+      </a:effectRef>
+      <a:fontRef idx="minor">
+        <a:schemeClr val="lt1"/>
+      </a:fontRef>
+    </dgm:style>
+  </dgm:styleLbl>
+  <dgm:styleLbl name="fgSibTrans2D1">
+    <dgm:scene3d>
+      <a:camera prst="orthographicFront"/>
+      <a:lightRig rig="threePt" dir="t"/>
+    </dgm:scene3d>
+    <dgm:sp3d/>
+    <dgm:txPr/>
+    <dgm:style>
+      <a:lnRef idx="0">
+        <a:scrgbClr r="0" g="0" b="0"/>
+      </a:lnRef>
+      <a:fillRef idx="1">
+        <a:scrgbClr r="0" g="0" b="0"/>
+      </a:fillRef>
+      <a:effectRef idx="0">
+        <a:scrgbClr r="0" g="0" b="0"/>
+      </a:effectRef>
+      <a:fontRef idx="minor">
+        <a:schemeClr val="lt1"/>
+      </a:fontRef>
+    </dgm:style>
+  </dgm:styleLbl>
+  <dgm:styleLbl name="bgSibTrans2D1">
+    <dgm:scene3d>
+      <a:camera prst="orthographicFront"/>
+      <a:lightRig rig="threePt" dir="t"/>
+    </dgm:scene3d>
+    <dgm:sp3d/>
+    <dgm:txPr/>
+    <dgm:style>
+      <a:lnRef idx="0">
+        <a:scrgbClr r="0" g="0" b="0"/>
+      </a:lnRef>
+      <a:fillRef idx="1">
+        <a:scrgbClr r="0" g="0" b="0"/>
+      </a:fillRef>
+      <a:effectRef idx="0">
+        <a:scrgbClr r="0" g="0" b="0"/>
+      </a:effectRef>
+      <a:fontRef idx="minor">
+        <a:schemeClr val="lt1"/>
+      </a:fontRef>
+    </dgm:style>
+  </dgm:styleLbl>
+  <dgm:styleLbl name="sibTrans1D1">
+    <dgm:scene3d>
+      <a:camera prst="orthographicFront"/>
+      <a:lightRig rig="threePt" dir="t"/>
+    </dgm:scene3d>
+    <dgm:sp3d/>
+    <dgm:txPr/>
+    <dgm:style>
+      <a:lnRef idx="1">
+        <a:scrgbClr r="0" g="0" b="0"/>
+      </a:lnRef>
+      <a:fillRef idx="0">
+        <a:scrgbClr r="0" g="0" b="0"/>
+      </a:fillRef>
+      <a:effectRef idx="0">
+        <a:scrgbClr r="0" g="0" b="0"/>
+      </a:effectRef>
+      <a:fontRef idx="minor"/>
+    </dgm:style>
+  </dgm:styleLbl>
+  <dgm:styleLbl name="callout">
+    <dgm:scene3d>
+      <a:camera prst="orthographicFront"/>
+      <a:lightRig rig="threePt" dir="t"/>
+    </dgm:scene3d>
+    <dgm:sp3d/>
+    <dgm:txPr/>
+    <dgm:style>
+      <a:lnRef idx="2">
+        <a:scrgbClr r="0" g="0" b="0"/>
+      </a:lnRef>
+      <a:fillRef idx="1">
+        <a:scrgbClr r="0" g="0" b="0"/>
+      </a:fillRef>
+      <a:effectRef idx="0">
+        <a:scrgbClr r="0" g="0" b="0"/>
+      </a:effectRef>
+      <a:fontRef idx="minor"/>
+    </dgm:style>
+  </dgm:styleLbl>
+  <dgm:styleLbl name="asst0">
+    <dgm:scene3d>
+      <a:camera prst="orthographicFront"/>
+      <a:lightRig rig="threePt" dir="t"/>
+    </dgm:scene3d>
+    <dgm:sp3d/>
+    <dgm:txPr/>
+    <dgm:style>
+      <a:lnRef idx="2">
+        <a:scrgbClr r="0" g="0" b="0"/>
+      </a:lnRef>
+      <a:fillRef idx="1">
+        <a:scrgbClr r="0" g="0" b="0"/>
+      </a:fillRef>
+      <a:effectRef idx="0">
+        <a:scrgbClr r="0" g="0" b="0"/>
+      </a:effectRef>
+      <a:fontRef idx="minor">
+        <a:schemeClr val="lt1"/>
+      </a:fontRef>
+    </dgm:style>
+  </dgm:styleLbl>
+  <dgm:styleLbl name="asst1">
+    <dgm:scene3d>
+      <a:camera prst="orthographicFront"/>
+      <a:lightRig rig="threePt" dir="t"/>
+    </dgm:scene3d>
+    <dgm:sp3d/>
+    <dgm:txPr/>
+    <dgm:style>
+      <a:lnRef idx="2">
+        <a:scrgbClr r="0" g="0" b="0"/>
+      </a:lnRef>
+      <a:fillRef idx="1">
+        <a:scrgbClr r="0" g="0" b="0"/>
+      </a:fillRef>
+      <a:effectRef idx="0">
+        <a:scrgbClr r="0" g="0" b="0"/>
+      </a:effectRef>
+      <a:fontRef idx="minor">
+        <a:schemeClr val="lt1"/>
+      </a:fontRef>
+    </dgm:style>
+  </dgm:styleLbl>
+  <dgm:styleLbl name="asst2">
+    <dgm:scene3d>
+      <a:camera prst="orthographicFront"/>
+      <a:lightRig rig="threePt" dir="t"/>
+    </dgm:scene3d>
+    <dgm:sp3d/>
+    <dgm:txPr/>
+    <dgm:style>
+      <a:lnRef idx="2">
+        <a:scrgbClr r="0" g="0" b="0"/>
+      </a:lnRef>
+      <a:fillRef idx="1">
+        <a:scrgbClr r="0" g="0" b="0"/>
+      </a:fillRef>
+      <a:effectRef idx="0">
+        <a:scrgbClr r="0" g="0" b="0"/>
+      </a:effectRef>
+      <a:fontRef idx="minor">
+        <a:schemeClr val="lt1"/>
+      </a:fontRef>
+    </dgm:style>
+  </dgm:styleLbl>
+  <dgm:styleLbl name="asst3">
+    <dgm:scene3d>
+      <a:camera prst="orthographicFront"/>
+      <a:lightRig rig="threePt" dir="t"/>
+    </dgm:scene3d>
+    <dgm:sp3d/>
+    <dgm:txPr/>
+    <dgm:style>
+      <a:lnRef idx="2">
+        <a:scrgbClr r="0" g="0" b="0"/>
+      </a:lnRef>
+      <a:fillRef idx="1">
+        <a:scrgbClr r="0" g="0" b="0"/>
+      </a:fillRef>
+      <a:effectRef idx="0">
+        <a:scrgbClr r="0" g="0" b="0"/>
+      </a:effectRef>
+      <a:fontRef idx="minor">
+        <a:schemeClr val="lt1"/>
+      </a:fontRef>
+    </dgm:style>
+  </dgm:styleLbl>
+  <dgm:styleLbl name="asst4">
+    <dgm:scene3d>
+      <a:camera prst="orthographicFront"/>
+      <a:lightRig rig="threePt" dir="t"/>
+    </dgm:scene3d>
+    <dgm:sp3d/>
+    <dgm:txPr/>
+    <dgm:style>
+      <a:lnRef idx="2">
+        <a:scrgbClr r="0" g="0" b="0"/>
+      </a:lnRef>
+      <a:fillRef idx="1">
+        <a:scrgbClr r="0" g="0" b="0"/>
+      </a:fillRef>
+      <a:effectRef idx="0">
+        <a:scrgbClr r="0" g="0" b="0"/>
+      </a:effectRef>
+      <a:fontRef idx="minor">
+        <a:schemeClr val="lt1"/>
+      </a:fontRef>
+    </dgm:style>
+  </dgm:styleLbl>
+  <dgm:styleLbl name="parChTrans2D1">
+    <dgm:scene3d>
+      <a:camera prst="orthographicFront"/>
+      <a:lightRig rig="threePt" dir="t"/>
+    </dgm:scene3d>
+    <dgm:sp3d/>
+    <dgm:txPr/>
+    <dgm:style>
+      <a:lnRef idx="2">
+        <a:scrgbClr r="0" g="0" b="0"/>
+      </a:lnRef>
+      <a:fillRef idx="1">
+        <a:scrgbClr r="0" g="0" b="0"/>
+      </a:fillRef>
+      <a:effectRef idx="0">
+        <a:scrgbClr r="0" g="0" b="0"/>
+      </a:effectRef>
+      <a:fontRef idx="minor">
+        <a:schemeClr val="lt1"/>
+      </a:fontRef>
+    </dgm:style>
+  </dgm:styleLbl>
+  <dgm:styleLbl name="parChTrans2D2">
+    <dgm:scene3d>
+      <a:camera prst="orthographicFront"/>
+      <a:lightRig rig="threePt" dir="t"/>
+    </dgm:scene3d>
+    <dgm:sp3d/>
+    <dgm:txPr/>
+    <dgm:style>
+      <a:lnRef idx="2">
+        <a:scrgbClr r="0" g="0" b="0"/>
+      </a:lnRef>
+      <a:fillRef idx="1">
+        <a:scrgbClr r="0" g="0" b="0"/>
+      </a:fillRef>
+      <a:effectRef idx="0">
+        <a:scrgbClr r="0" g="0" b="0"/>
+      </a:effectRef>
+      <a:fontRef idx="minor">
+        <a:schemeClr val="lt1"/>
+      </a:fontRef>
+    </dgm:style>
+  </dgm:styleLbl>
+  <dgm:styleLbl name="parChTrans2D3">
+    <dgm:scene3d>
+      <a:camera prst="orthographicFront"/>
+      <a:lightRig rig="threePt" dir="t"/>
+    </dgm:scene3d>
+    <dgm:sp3d/>
+    <dgm:txPr/>
+    <dgm:style>
+      <a:lnRef idx="2">
+        <a:scrgbClr r="0" g="0" b="0"/>
+      </a:lnRef>
+      <a:fillRef idx="1">
+        <a:scrgbClr r="0" g="0" b="0"/>
+      </a:fillRef>
+      <a:effectRef idx="0">
+        <a:scrgbClr r="0" g="0" b="0"/>
+      </a:effectRef>
+      <a:fontRef idx="minor">
+        <a:schemeClr val="lt1"/>
+      </a:fontRef>
+    </dgm:style>
+  </dgm:styleLbl>
+  <dgm:styleLbl name="parChTrans2D4">
+    <dgm:scene3d>
+      <a:camera prst="orthographicFront"/>
+      <a:lightRig rig="threePt" dir="t"/>
+    </dgm:scene3d>
+    <dgm:sp3d/>
+    <dgm:txPr/>
+    <dgm:style>
+      <a:lnRef idx="2">
+        <a:scrgbClr r="0" g="0" b="0"/>
+      </a:lnRef>
+      <a:fillRef idx="1">
+        <a:scrgbClr r="0" g="0" b="0"/>
+      </a:fillRef>
+      <a:effectRef idx="0">
+        <a:scrgbClr r="0" g="0" b="0"/>
+      </a:effectRef>
+      <a:fontRef idx="minor">
+        <a:schemeClr val="lt1"/>
+      </a:fontRef>
+    </dgm:style>
+  </dgm:styleLbl>
+  <dgm:styleLbl name="parChTrans1D1">
+    <dgm:scene3d>
+      <a:camera prst="orthographicFront"/>
+      <a:lightRig rig="threePt" dir="t"/>
+    </dgm:scene3d>
+    <dgm:sp3d/>
+    <dgm:txPr/>
+    <dgm:style>
+      <a:lnRef idx="2">
+        <a:scrgbClr r="0" g="0" b="0"/>
+      </a:lnRef>
+      <a:fillRef idx="0">
+        <a:scrgbClr r="0" g="0" b="0"/>
+      </a:fillRef>
+      <a:effectRef idx="0">
+        <a:scrgbClr r="0" g="0" b="0"/>
+      </a:effectRef>
+      <a:fontRef idx="minor"/>
+    </dgm:style>
+  </dgm:styleLbl>
+  <dgm:styleLbl name="parChTrans1D2">
+    <dgm:scene3d>
+      <a:camera prst="orthographicFront"/>
+      <a:lightRig rig="threePt" dir="t"/>
+    </dgm:scene3d>
+    <dgm:sp3d/>
+    <dgm:txPr/>
+    <dgm:style>
+      <a:lnRef idx="2">
+        <a:scrgbClr r="0" g="0" b="0"/>
+      </a:lnRef>
+      <a:fillRef idx="0">
+        <a:scrgbClr r="0" g="0" b="0"/>
+      </a:fillRef>
+      <a:effectRef idx="0">
+        <a:scrgbClr r="0" g="0" b="0"/>
+      </a:effectRef>
+      <a:fontRef idx="minor"/>
+    </dgm:style>
+  </dgm:styleLbl>
+  <dgm:styleLbl name="parChTrans1D3">
+    <dgm:scene3d>
+      <a:camera prst="orthographicFront"/>
+      <a:lightRig rig="threePt" dir="t"/>
+    </dgm:scene3d>
+    <dgm:sp3d/>
+    <dgm:txPr/>
+    <dgm:style>
+      <a:lnRef idx="2">
+        <a:scrgbClr r="0" g="0" b="0"/>
+      </a:lnRef>
+      <a:fillRef idx="0">
+        <a:scrgbClr r="0" g="0" b="0"/>
+      </a:fillRef>
+      <a:effectRef idx="0">
+        <a:scrgbClr r="0" g="0" b="0"/>
+      </a:effectRef>
+      <a:fontRef idx="minor"/>
+    </dgm:style>
+  </dgm:styleLbl>
+  <dgm:styleLbl name="parChTrans1D4">
+    <dgm:scene3d>
+      <a:camera prst="orthographicFront"/>
+      <a:lightRig rig="threePt" dir="t"/>
+    </dgm:scene3d>
+    <dgm:sp3d/>
+    <dgm:txPr/>
+    <dgm:style>
+      <a:lnRef idx="2">
+        <a:scrgbClr r="0" g="0" b="0"/>
+      </a:lnRef>
+      <a:fillRef idx="0">
+        <a:scrgbClr r="0" g="0" b="0"/>
+      </a:fillRef>
+      <a:effectRef idx="0">
+        <a:scrgbClr r="0" g="0" b="0"/>
+      </a:effectRef>
+      <a:fontRef idx="minor"/>
+    </dgm:style>
+  </dgm:styleLbl>
+  <dgm:styleLbl name="fgAcc1">
+    <dgm:scene3d>
+      <a:camera prst="orthographicFront"/>
+      <a:lightRig rig="threePt" dir="t"/>
+    </dgm:scene3d>
+    <dgm:sp3d/>
+    <dgm:txPr/>
+    <dgm:style>
+      <a:lnRef idx="2">
+        <a:scrgbClr r="0" g="0" b="0"/>
+      </a:lnRef>
+      <a:fillRef idx="1">
+        <a:scrgbClr r="0" g="0" b="0"/>
+      </a:fillRef>
+      <a:effectRef idx="0">
+        <a:scrgbClr r="0" g="0" b="0"/>
+      </a:effectRef>
+      <a:fontRef idx="minor"/>
+    </dgm:style>
+  </dgm:styleLbl>
+  <dgm:styleLbl name="conFgAcc1">
+    <dgm:scene3d>
+      <a:camera prst="orthographicFront"/>
+      <a:lightRig rig="threePt" dir="t"/>
+    </dgm:scene3d>
+    <dgm:sp3d/>
+    <dgm:txPr/>
+    <dgm:style>
+      <a:lnRef idx="2">
+        <a:scrgbClr r="0" g="0" b="0"/>
+      </a:lnRef>
+      <a:fillRef idx="1">
+        <a:scrgbClr r="0" g="0" b="0"/>
+      </a:fillRef>
+      <a:effectRef idx="0">
+        <a:scrgbClr r="0" g="0" b="0"/>
+      </a:effectRef>
+      <a:fontRef idx="minor"/>
+    </dgm:style>
+  </dgm:styleLbl>
+  <dgm:styleLbl name="alignAcc1">
+    <dgm:scene3d>
+      <a:camera prst="orthographicFront"/>
+      <a:lightRig rig="threePt" dir="t"/>
+    </dgm:scene3d>
+    <dgm:sp3d/>
+    <dgm:txPr/>
+    <dgm:style>
+      <a:lnRef idx="2">
+        <a:scrgbClr r="0" g="0" b="0"/>
+      </a:lnRef>
+      <a:fillRef idx="1">
+        <a:scrgbClr r="0" g="0" b="0"/>
+      </a:fillRef>
+      <a:effectRef idx="0">
+        <a:scrgbClr r="0" g="0" b="0"/>
+      </a:effectRef>
+      <a:fontRef idx="minor"/>
+    </dgm:style>
+  </dgm:styleLbl>
+  <dgm:styleLbl name="trAlignAcc1">
+    <dgm:scene3d>
+      <a:camera prst="orthographicFront"/>
+      <a:lightRig rig="threePt" dir="t"/>
+    </dgm:scene3d>
+    <dgm:sp3d/>
+    <dgm:txPr/>
+    <dgm:style>
+      <a:lnRef idx="1">
+        <a:scrgbClr r="0" g="0" b="0"/>
+      </a:lnRef>
+      <a:fillRef idx="1">
+        <a:scrgbClr r="0" g="0" b="0"/>
+      </a:fillRef>
+      <a:effectRef idx="0">
+        <a:scrgbClr r="0" g="0" b="0"/>
+      </a:effectRef>
+      <a:fontRef idx="minor"/>
+    </dgm:style>
+  </dgm:styleLbl>
+  <dgm:styleLbl name="bgAcc1">
+    <dgm:scene3d>
+      <a:camera prst="orthographicFront"/>
+      <a:lightRig rig="threePt" dir="t"/>
+    </dgm:scene3d>
+    <dgm:sp3d/>
+    <dgm:txPr/>
+    <dgm:style>
+      <a:lnRef idx="2">
+        <a:scrgbClr r="0" g="0" b="0"/>
+      </a:lnRef>
+      <a:fillRef idx="1">
+        <a:scrgbClr r="0" g="0" b="0"/>
+      </a:fillRef>
+      <a:effectRef idx="0">
+        <a:scrgbClr r="0" g="0" b="0"/>
+      </a:effectRef>
+      <a:fontRef idx="minor"/>
+    </dgm:style>
+  </dgm:styleLbl>
+  <dgm:styleLbl name="solidFgAcc1">
+    <dgm:scene3d>
+      <a:camera prst="orthographicFront"/>
+      <a:lightRig rig="threePt" dir="t"/>
+    </dgm:scene3d>
+    <dgm:sp3d/>
+    <dgm:txPr/>
+    <dgm:style>
+      <a:lnRef idx="2">
+        <a:scrgbClr r="0" g="0" b="0"/>
+      </a:lnRef>
+      <a:fillRef idx="1">
+        <a:scrgbClr r="0" g="0" b="0"/>
+      </a:fillRef>
+      <a:effectRef idx="0">
+        <a:scrgbClr r="0" g="0" b="0"/>
+      </a:effectRef>
+      <a:fontRef idx="minor"/>
+    </dgm:style>
+  </dgm:styleLbl>
+  <dgm:styleLbl name="solidAlignAcc1">
+    <dgm:scene3d>
+      <a:camera prst="orthographicFront"/>
+      <a:lightRig rig="threePt" dir="t"/>
+    </dgm:scene3d>
+    <dgm:sp3d/>
+    <dgm:txPr/>
+    <dgm:style>
+      <a:lnRef idx="2">
+        <a:scrgbClr r="0" g="0" b="0"/>
+      </a:lnRef>
+      <a:fillRef idx="1">
+        <a:scrgbClr r="0" g="0" b="0"/>
+      </a:fillRef>
+      <a:effectRef idx="0">
+        <a:scrgbClr r="0" g="0" b="0"/>
+      </a:effectRef>
+      <a:fontRef idx="minor"/>
+    </dgm:style>
+  </dgm:styleLbl>
+  <dgm:styleLbl name="solidBgAcc1">
+    <dgm:scene3d>
+      <a:camera prst="orthographicFront"/>
+      <a:lightRig rig="threePt" dir="t"/>
+    </dgm:scene3d>
+    <dgm:sp3d/>
+    <dgm:txPr/>
+    <dgm:style>
+      <a:lnRef idx="2">
+        <a:scrgbClr r="0" g="0" b="0"/>
+      </a:lnRef>
+      <a:fillRef idx="1">
+        <a:scrgbClr r="0" g="0" b="0"/>
+      </a:fillRef>
+      <a:effectRef idx="0">
+        <a:scrgbClr r="0" g="0" b="0"/>
+      </a:effectRef>
+      <a:fontRef idx="minor"/>
+    </dgm:style>
+  </dgm:styleLbl>
+  <dgm:styleLbl name="fgAccFollowNode1">
+    <dgm:scene3d>
+      <a:camera prst="orthographicFront"/>
+      <a:lightRig rig="threePt" dir="t"/>
+    </dgm:scene3d>
+    <dgm:sp3d/>
+    <dgm:txPr/>
+    <dgm:style>
+      <a:lnRef idx="2">
+        <a:scrgbClr r="0" g="0" b="0"/>
+      </a:lnRef>
+      <a:fillRef idx="1">
+        <a:scrgbClr r="0" g="0" b="0"/>
+      </a:fillRef>
+      <a:effectRef idx="0">
+        <a:scrgbClr r="0" g="0" b="0"/>
+      </a:effectRef>
+      <a:fontRef idx="minor"/>
+    </dgm:style>
+  </dgm:styleLbl>
+  <dgm:styleLbl name="alignAccFollowNode1">
+    <dgm:scene3d>
+      <a:camera prst="orthographicFront"/>
+      <a:lightRig rig="threePt" dir="t"/>
+    </dgm:scene3d>
+    <dgm:sp3d/>
+    <dgm:txPr/>
+    <dgm:style>
+      <a:lnRef idx="2">
+        <a:scrgbClr r="0" g="0" b="0"/>
+      </a:lnRef>
+      <a:fillRef idx="1">
+        <a:scrgbClr r="0" g="0" b="0"/>
+      </a:fillRef>
+      <a:effectRef idx="0">
+        <a:scrgbClr r="0" g="0" b="0"/>
+      </a:effectRef>
+      <a:fontRef idx="minor"/>
+    </dgm:style>
+  </dgm:styleLbl>
+  <dgm:styleLbl name="bgAccFollowNode1">
+    <dgm:scene3d>
+      <a:camera prst="orthographicFront"/>
+      <a:lightRig rig="threePt" dir="t"/>
+    </dgm:scene3d>
+    <dgm:sp3d/>
+    <dgm:txPr/>
+    <dgm:style>
+      <a:lnRef idx="2">
+        <a:scrgbClr r="0" g="0" b="0"/>
+      </a:lnRef>
+      <a:fillRef idx="1">
+        <a:scrgbClr r="0" g="0" b="0"/>
+      </a:fillRef>
+      <a:effectRef idx="0">
+        <a:scrgbClr r="0" g="0" b="0"/>
+      </a:effectRef>
+      <a:fontRef idx="minor"/>
+    </dgm:style>
+  </dgm:styleLbl>
+  <dgm:styleLbl name="fgAcc0">
+    <dgm:scene3d>
+      <a:camera prst="orthographicFront"/>
+      <a:lightRig rig="threePt" dir="t"/>
+    </dgm:scene3d>
+    <dgm:sp3d/>
+    <dgm:txPr/>
+    <dgm:style>
+      <a:lnRef idx="2">
+        <a:scrgbClr r="0" g="0" b="0"/>
+      </a:lnRef>
+      <a:fillRef idx="1">
+        <a:scrgbClr r="0" g="0" b="0"/>
+      </a:fillRef>
+      <a:effectRef idx="0">
+        <a:scrgbClr r="0" g="0" b="0"/>
+      </a:effectRef>
+      <a:fontRef idx="minor"/>
+    </dgm:style>
+  </dgm:styleLbl>
+  <dgm:styleLbl name="fgAcc2">
+    <dgm:scene3d>
+      <a:camera prst="orthographicFront"/>
+      <a:lightRig rig="threePt" dir="t"/>
+    </dgm:scene3d>
+    <dgm:sp3d/>
+    <dgm:txPr/>
+    <dgm:style>
+      <a:lnRef idx="2">
+        <a:scrgbClr r="0" g="0" b="0"/>
+      </a:lnRef>
+      <a:fillRef idx="1">
+        <a:scrgbClr r="0" g="0" b="0"/>
+      </a:fillRef>
+      <a:effectRef idx="0">
+        <a:scrgbClr r="0" g="0" b="0"/>
+      </a:effectRef>
+      <a:fontRef idx="minor"/>
+    </dgm:style>
+  </dgm:styleLbl>
+  <dgm:styleLbl name="fgAcc3">
+    <dgm:scene3d>
+      <a:camera prst="orthographicFront"/>
+      <a:lightRig rig="threePt" dir="t"/>
+    </dgm:scene3d>
+    <dgm:sp3d/>
+    <dgm:txPr/>
+    <dgm:style>
+      <a:lnRef idx="2">
+        <a:scrgbClr r="0" g="0" b="0"/>
+      </a:lnRef>
+      <a:fillRef idx="1">
+        <a:scrgbClr r="0" g="0" b="0"/>
+      </a:fillRef>
+      <a:effectRef idx="0">
+        <a:scrgbClr r="0" g="0" b="0"/>
+      </a:effectRef>
+      <a:fontRef idx="minor"/>
+    </dgm:style>
+  </dgm:styleLbl>
+  <dgm:styleLbl name="fgAcc4">
+    <dgm:scene3d>
+      <a:camera prst="orthographicFront"/>
+      <a:lightRig rig="threePt" dir="t"/>
+    </dgm:scene3d>
+    <dgm:sp3d/>
+    <dgm:txPr/>
+    <dgm:style>
+      <a:lnRef idx="2">
+        <a:scrgbClr r="0" g="0" b="0"/>
+      </a:lnRef>
+      <a:fillRef idx="1">
+        <a:scrgbClr r="0" g="0" b="0"/>
+      </a:fillRef>
+      <a:effectRef idx="0">
+        <a:scrgbClr r="0" g="0" b="0"/>
+      </a:effectRef>
+      <a:fontRef idx="minor"/>
+    </dgm:style>
+  </dgm:styleLbl>
+  <dgm:styleLbl name="bgShp">
+    <dgm:scene3d>
+      <a:camera prst="orthographicFront"/>
+      <a:lightRig rig="threePt" dir="t"/>
+    </dgm:scene3d>
+    <dgm:sp3d/>
+    <dgm:txPr/>
+    <dgm:style>
+      <a:lnRef idx="0">
+        <a:scrgbClr r="0" g="0" b="0"/>
+      </a:lnRef>
+      <a:fillRef idx="1">
+        <a:scrgbClr r="0" g="0" b="0"/>
+      </a:fillRef>
+      <a:effectRef idx="0">
+        <a:scrgbClr r="0" g="0" b="0"/>
+      </a:effectRef>
+      <a:fontRef idx="minor"/>
+    </dgm:style>
+  </dgm:styleLbl>
+  <dgm:styleLbl name="dkBgShp">
+    <dgm:scene3d>
+      <a:camera prst="orthographicFront"/>
+      <a:lightRig rig="threePt" dir="t"/>
+    </dgm:scene3d>
+    <dgm:sp3d/>
+    <dgm:txPr/>
+    <dgm:style>
+      <a:lnRef idx="0">
+        <a:scrgbClr r="0" g="0" b="0"/>
+      </a:lnRef>
+      <a:fillRef idx="1">
+        <a:scrgbClr r="0" g="0" b="0"/>
+      </a:fillRef>
+      <a:effectRef idx="0">
+        <a:scrgbClr r="0" g="0" b="0"/>
+      </a:effectRef>
+      <a:fontRef idx="minor"/>
+    </dgm:style>
+  </dgm:styleLbl>
+  <dgm:styleLbl name="trBgShp">
+    <dgm:scene3d>
+      <a:camera prst="orthographicFront"/>
+      <a:lightRig rig="threePt" dir="t"/>
+    </dgm:scene3d>
+    <dgm:sp3d/>
+    <dgm:txPr/>
+    <dgm:style>
+      <a:lnRef idx="0">
+        <a:scrgbClr r="0" g="0" b="0"/>
+      </a:lnRef>
+      <a:fillRef idx="1">
+        <a:scrgbClr r="0" g="0" b="0"/>
+      </a:fillRef>
+      <a:effectRef idx="0">
+        <a:scrgbClr r="0" g="0" b="0"/>
+      </a:effectRef>
+      <a:fontRef idx="minor"/>
+    </dgm:style>
+  </dgm:styleLbl>
+  <dgm:styleLbl name="fgShp">
+    <dgm:scene3d>
+      <a:camera prst="orthographicFront"/>
+      <a:lightRig rig="threePt" dir="t"/>
+    </dgm:scene3d>
+    <dgm:sp3d/>
+    <dgm:txPr/>
+    <dgm:style>
+      <a:lnRef idx="2">
+        <a:scrgbClr r="0" g="0" b="0"/>
+      </a:lnRef>
+      <a:fillRef idx="1">
+        <a:scrgbClr r="0" g="0" b="0"/>
+      </a:fillRef>
+      <a:effectRef idx="0">
+        <a:scrgbClr r="0" g="0" b="0"/>
+      </a:effectRef>
+      <a:fontRef idx="minor"/>
+    </dgm:style>
+  </dgm:styleLbl>
+  <dgm:styleLbl name="revTx">
+    <dgm:scene3d>
+      <a:camera prst="orthographicFront"/>
+      <a:lightRig rig="threePt" dir="t"/>
+    </dgm:scene3d>
+    <dgm:sp3d/>
+    <dgm:txPr/>
+    <dgm:style>
+      <a:lnRef idx="0">
+        <a:scrgbClr r="0" g="0" b="0"/>
+      </a:lnRef>
+      <a:fillRef idx="0">
+        <a:scrgbClr r="0" g="0" b="0"/>
+      </a:fillRef>
+      <a:effectRef idx="0">
+        <a:scrgbClr r="0" g="0" b="0"/>
+      </a:effectRef>
+      <a:fontRef idx="minor"/>
+    </dgm:style>
+  </dgm:styleLbl>
+</dgm:styleDef>
+</file>
+
+<file path=ppt/diagrams/quickStyle5.xml><?xml version="1.0" encoding="utf-8"?>
 <dgm:styleDef xmlns:dgm="http://schemas.openxmlformats.org/drawingml/2006/diagram" xmlns:a="http://schemas.openxmlformats.org/drawingml/2006/main" uniqueId="urn:microsoft.com/office/officeart/2005/8/quickstyle/simple1">
   <dgm:title val=""/>
   <dgm:desc val=""/>
@@ -15283,7 +18386,7 @@
               <a:pPr>
                 <a:defRPr/>
               </a:pPr>
-              <a:t>2016/7/24</a:t>
+              <a:t>2016/7/26</a:t>
             </a:fld>
             <a:endParaRPr lang="zh-TW" altLang="en-US"/>
           </a:p>
@@ -15477,7 +18580,7 @@
               <a:pPr>
                 <a:defRPr/>
               </a:pPr>
-              <a:t>2016/7/24</a:t>
+              <a:t>2016/7/26</a:t>
             </a:fld>
             <a:endParaRPr lang="zh-TW" altLang="en-US"/>
           </a:p>
@@ -26281,10 +29384,16 @@
         <p:nvGraphicFramePr>
           <p:cNvPr id="9" name="資料庫圖表 8"/>
           <p:cNvGraphicFramePr/>
-          <p:nvPr/>
+          <p:nvPr>
+            <p:extLst>
+              <p:ext uri="{D42A27DB-BD31-4B8C-83A1-F6EECF244321}">
+                <p14:modId xmlns:p14="http://schemas.microsoft.com/office/powerpoint/2010/main" val="109366329"/>
+              </p:ext>
+            </p:extLst>
+          </p:nvPr>
         </p:nvGraphicFramePr>
         <p:xfrm>
-          <a:off x="6156176" y="2744924"/>
+          <a:off x="6156176" y="3573016"/>
           <a:ext cx="2664296" cy="720080"/>
         </p:xfrm>
         <a:graphic>
@@ -26297,15 +29406,43 @@
         <p:nvGraphicFramePr>
           <p:cNvPr id="27" name="資料庫圖表 26"/>
           <p:cNvGraphicFramePr/>
-          <p:nvPr/>
+          <p:nvPr>
+            <p:extLst>
+              <p:ext uri="{D42A27DB-BD31-4B8C-83A1-F6EECF244321}">
+                <p14:modId xmlns:p14="http://schemas.microsoft.com/office/powerpoint/2010/main" val="1384594687"/>
+              </p:ext>
+            </p:extLst>
+          </p:nvPr>
         </p:nvGraphicFramePr>
         <p:xfrm>
-          <a:off x="6162700" y="3861048"/>
+          <a:off x="6162700" y="2060848"/>
           <a:ext cx="2664296" cy="1656184"/>
         </p:xfrm>
         <a:graphic>
           <a:graphicData uri="http://schemas.openxmlformats.org/drawingml/2006/diagram">
             <dgm:relIds xmlns:dgm="http://schemas.openxmlformats.org/drawingml/2006/diagram" xmlns:r="http://schemas.openxmlformats.org/officeDocument/2006/relationships" r:dm="rId18" r:lo="rId19" r:qs="rId20" r:cs="rId21"/>
+          </a:graphicData>
+        </a:graphic>
+      </p:graphicFrame>
+      <p:graphicFrame>
+        <p:nvGraphicFramePr>
+          <p:cNvPr id="10" name="資料庫圖表 9"/>
+          <p:cNvGraphicFramePr/>
+          <p:nvPr>
+            <p:extLst>
+              <p:ext uri="{D42A27DB-BD31-4B8C-83A1-F6EECF244321}">
+                <p14:modId xmlns:p14="http://schemas.microsoft.com/office/powerpoint/2010/main" val="3168894286"/>
+              </p:ext>
+            </p:extLst>
+          </p:nvPr>
+        </p:nvGraphicFramePr>
+        <p:xfrm>
+          <a:off x="6149652" y="4149080"/>
+          <a:ext cx="2664296" cy="1656184"/>
+        </p:xfrm>
+        <a:graphic>
+          <a:graphicData uri="http://schemas.openxmlformats.org/drawingml/2006/diagram">
+            <dgm:relIds xmlns:dgm="http://schemas.openxmlformats.org/drawingml/2006/diagram" xmlns:r="http://schemas.openxmlformats.org/officeDocument/2006/relationships" r:dm="rId23" r:lo="rId24" r:qs="rId25" r:cs="rId26"/>
           </a:graphicData>
         </a:graphic>
       </p:graphicFrame>
@@ -26361,9 +29498,9 @@
               <a:rPr lang="en-US" altLang="zh-TW" smtClean="0">
                 <a:ea typeface="新細明體" panose="02020500000000000000" pitchFamily="18" charset="-120"/>
               </a:rPr>
-              <a:t>Killing Time Demo</a:t>
+              <a:t>Project Demo</a:t>
             </a:r>
-            <a:endParaRPr lang="zh-TW" altLang="en-US" smtClean="0">
+            <a:endParaRPr lang="zh-TW" altLang="en-US" dirty="0" smtClean="0">
               <a:ea typeface="新細明體" panose="02020500000000000000" pitchFamily="18" charset="-120"/>
             </a:endParaRPr>
           </a:p>
@@ -26379,20 +29516,51 @@
             <p:ph type="subTitle" idx="1"/>
           </p:nvPr>
         </p:nvSpPr>
-        <p:spPr/>
+        <p:spPr>
+          <a:xfrm>
+            <a:off x="3886200" y="2895600"/>
+            <a:ext cx="4800600" cy="1541512"/>
+          </a:xfrm>
+        </p:spPr>
         <p:txBody>
           <a:bodyPr/>
           <a:lstStyle/>
           <a:p>
             <a:pPr eaLnBrk="1" hangingPunct="1"/>
             <a:r>
-              <a:rPr lang="en-US" altLang="zh-TW" smtClean="0">
+              <a:rPr lang="en-US" altLang="zh-TW" dirty="0" smtClean="0">
                 <a:ea typeface="新細明體" panose="02020500000000000000" pitchFamily="18" charset="-120"/>
                 <a:hlinkClick r:id="rId2"/>
               </a:rPr>
-              <a:t>http://killingtime-max.tk</a:t>
+              <a:t>http://</a:t>
             </a:r>
-            <a:endParaRPr lang="zh-TW" altLang="en-US" smtClean="0">
+            <a:r>
+              <a:rPr lang="en-US" altLang="zh-TW" dirty="0" smtClean="0">
+                <a:ea typeface="新細明體" panose="02020500000000000000" pitchFamily="18" charset="-120"/>
+                <a:hlinkClick r:id="rId2"/>
+              </a:rPr>
+              <a:t>killingtime-max.tk</a:t>
+            </a:r>
+            <a:endParaRPr lang="en-US" altLang="zh-TW" dirty="0" smtClean="0">
+              <a:ea typeface="新細明體" panose="02020500000000000000" pitchFamily="18" charset="-120"/>
+            </a:endParaRPr>
+          </a:p>
+          <a:p>
+            <a:pPr eaLnBrk="1" hangingPunct="1"/>
+            <a:endParaRPr lang="en-US" altLang="zh-TW" dirty="0">
+              <a:ea typeface="新細明體" panose="02020500000000000000" pitchFamily="18" charset="-120"/>
+            </a:endParaRPr>
+          </a:p>
+          <a:p>
+            <a:pPr eaLnBrk="1" hangingPunct="1"/>
+            <a:r>
+              <a:rPr lang="en-US" altLang="zh-TW" dirty="0">
+                <a:ea typeface="新細明體" panose="02020500000000000000" pitchFamily="18" charset="-120"/>
+                <a:hlinkClick r:id="rId3"/>
+              </a:rPr>
+              <a:t>https://mail.google.com/</a:t>
+            </a:r>
+            <a:endParaRPr lang="zh-TW" altLang="en-US" dirty="0" smtClean="0">
               <a:ea typeface="新細明體" panose="02020500000000000000" pitchFamily="18" charset="-120"/>
             </a:endParaRPr>
           </a:p>
@@ -26447,12 +29615,12 @@
           <a:p>
             <a:pPr eaLnBrk="1" hangingPunct="1"/>
             <a:r>
-              <a:rPr lang="en-US" altLang="zh-TW" smtClean="0">
+              <a:rPr lang="en-US" altLang="zh-TW" dirty="0" smtClean="0">
                 <a:ea typeface="新細明體" panose="02020500000000000000" pitchFamily="18" charset="-120"/>
               </a:rPr>
-              <a:t>Killing Time Code</a:t>
+              <a:t>Code Demo</a:t>
             </a:r>
-            <a:endParaRPr lang="zh-TW" altLang="en-US" smtClean="0">
+            <a:endParaRPr lang="zh-TW" altLang="en-US" dirty="0" smtClean="0">
               <a:ea typeface="新細明體" panose="02020500000000000000" pitchFamily="18" charset="-120"/>
             </a:endParaRPr>
           </a:p>
@@ -26475,13 +29643,13 @@
           <a:p>
             <a:pPr eaLnBrk="1" hangingPunct="1"/>
             <a:r>
-              <a:rPr lang="en-US" altLang="zh-TW" smtClean="0">
+              <a:rPr lang="en-US" altLang="zh-TW" dirty="0">
                 <a:ea typeface="新細明體" panose="02020500000000000000" pitchFamily="18" charset="-120"/>
                 <a:hlinkClick r:id="rId2"/>
               </a:rPr>
-              <a:t>http://killingtime-max.tk</a:t>
+              <a:t>https://github.com/sherlockmax/killingtime</a:t>
             </a:r>
-            <a:endParaRPr lang="zh-TW" altLang="en-US" smtClean="0">
+            <a:endParaRPr lang="zh-TW" altLang="en-US" dirty="0" smtClean="0">
               <a:ea typeface="新細明體" panose="02020500000000000000" pitchFamily="18" charset="-120"/>
             </a:endParaRPr>
           </a:p>
